--- a/UE4_ImGui_실습.pptx
+++ b/UE4_ImGui_실습.pptx
@@ -2,10 +2,14 @@
 <file path=ppt/presentation.xml><?xml version="1.0" encoding="utf-8"?>
 <p:presentation xmlns:a="http://schemas.openxmlformats.org/drawingml/2006/main" xmlns:r="http://schemas.openxmlformats.org/officeDocument/2006/relationships" xmlns:p="http://schemas.openxmlformats.org/presentationml/2006/main" saveSubsetFonts="1">
   <p:sldMasterIdLst>
-    <p:sldMasterId id="2147483672" r:id="rId1"/>
+    <p:sldMasterId id="2147483672" r:id="rId4"/>
   </p:sldMasterIdLst>
   <p:sldIdLst>
-    <p:sldId id="256" r:id="rId2"/>
+    <p:sldId id="256" r:id="rId5"/>
+    <p:sldId id="258" r:id="rId6"/>
+    <p:sldId id="257" r:id="rId7"/>
+    <p:sldId id="259" r:id="rId8"/>
+    <p:sldId id="260" r:id="rId9"/>
   </p:sldIdLst>
   <p:sldSz cx="12192000" cy="6858000"/>
   <p:notesSz cx="6858000" cy="9144000"/>
@@ -104,7 +108,313 @@
       </a:defRPr>
     </a:lvl9pPr>
   </p:defaultTextStyle>
+  <p:extLst>
+    <p:ext uri="{521415D9-36F7-43E2-AB2F-B90AF26B5E84}">
+      <p14:sectionLst xmlns:p14="http://schemas.microsoft.com/office/powerpoint/2010/main">
+        <p14:section name="기본 구역" id="{E1C4F09B-A47E-42D2-A00B-06E35C08DA0E}">
+          <p14:sldIdLst>
+            <p14:sldId id="256"/>
+            <p14:sldId id="258"/>
+            <p14:sldId id="257"/>
+            <p14:sldId id="259"/>
+            <p14:sldId id="260"/>
+          </p14:sldIdLst>
+        </p14:section>
+      </p14:sectionLst>
+    </p:ext>
+    <p:ext uri="{EFAFB233-063F-42B5-8137-9DF3F51BA10A}">
+      <p15:sldGuideLst xmlns:p15="http://schemas.microsoft.com/office/powerpoint/2012/main"/>
+    </p:ext>
+  </p:extLst>
 </p:presentation>
+</file>
+
+<file path=ppt/revisionInfo.xml><?xml version="1.0" encoding="utf-8"?>
+<p1510:revInfo xmlns:a="http://schemas.openxmlformats.org/drawingml/2006/main" xmlns:r="http://schemas.openxmlformats.org/officeDocument/2006/relationships" xmlns:p1510="http://schemas.microsoft.com/office/powerpoint/2015/10/main">
+  <p1510:revLst>
+    <p1510:client id="{739BB6CB-5CF8-4614-8C31-CDDFCFAA2C6F}" v="12" dt="2022-11-09T07:58:33.763"/>
+  </p1510:revLst>
+</p1510:revInfo>
+</file>
+
+<file path=ppt/ink/ink1.xml><?xml version="1.0" encoding="utf-8"?>
+<inkml:ink xmlns:inkml="http://www.w3.org/2003/InkML">
+  <inkml:definitions>
+    <inkml:context xml:id="ctx0">
+      <inkml:inkSource xml:id="inkSrc0">
+        <inkml:traceFormat>
+          <inkml:channel name="X" type="integer" min="-2.14748E9" max="2.14748E9" units="cm"/>
+          <inkml:channel name="Y" type="integer" min="-2.14748E9" max="2.14748E9" units="cm"/>
+        </inkml:traceFormat>
+        <inkml:channelProperties>
+          <inkml:channelProperty channel="X" name="resolution" value="1000" units="1/cm"/>
+          <inkml:channelProperty channel="Y" name="resolution" value="1000" units="1/cm"/>
+        </inkml:channelProperties>
+      </inkml:inkSource>
+      <inkml:timestamp xml:id="ts0" timeString="2022-11-09T06:32:40.206"/>
+    </inkml:context>
+    <inkml:brush xml:id="br0">
+      <inkml:brushProperty name="width" value="0.3" units="cm"/>
+      <inkml:brushProperty name="height" value="0.6" units="cm"/>
+      <inkml:brushProperty name="color" value="#00FDFF"/>
+      <inkml:brushProperty name="tip" value="rectangle"/>
+      <inkml:brushProperty name="rasterOp" value="maskPen"/>
+      <inkml:brushProperty name="ignorePressure" value="1"/>
+    </inkml:brush>
+  </inkml:definitions>
+  <inkml:trace contextRef="#ctx0" brushRef="#br0">1 0,'9'1,"1"1,-1 0,0 0,18 7,7 2,69 20,-75-20,1-2,-1-2,1 0,1-2,33 2,513-10,-551 5,0 0,47 12,-46-8,1-1,34 2,112 9,-108-7,71 0,1219-11,-1331 1,1-2,44-9,-53 8,13-2</inkml:trace>
+</inkml:ink>
+</file>
+
+<file path=ppt/ink/ink10.xml><?xml version="1.0" encoding="utf-8"?>
+<inkml:ink xmlns:inkml="http://www.w3.org/2003/InkML">
+  <inkml:definitions>
+    <inkml:context xml:id="ctx0">
+      <inkml:inkSource xml:id="inkSrc0">
+        <inkml:traceFormat>
+          <inkml:channel name="X" type="integer" min="-2.14748E9" max="2.14748E9" units="cm"/>
+          <inkml:channel name="Y" type="integer" min="-2.14748E9" max="2.14748E9" units="cm"/>
+          <inkml:channel name="F" type="integer" max="32767" units="dev"/>
+        </inkml:traceFormat>
+        <inkml:channelProperties>
+          <inkml:channelProperty channel="X" name="resolution" value="1000" units="1/cm"/>
+          <inkml:channelProperty channel="Y" name="resolution" value="1000" units="1/cm"/>
+          <inkml:channelProperty channel="F" name="resolution" value="0" units="1/dev"/>
+        </inkml:channelProperties>
+      </inkml:inkSource>
+      <inkml:timestamp xml:id="ts0" timeString="2022-11-09T06:33:08.703"/>
+    </inkml:context>
+    <inkml:brush xml:id="br0">
+      <inkml:brushProperty name="width" value="0.1" units="cm"/>
+      <inkml:brushProperty name="height" value="0.1" units="cm"/>
+    </inkml:brush>
+  </inkml:definitions>
+  <inkml:trace contextRef="#ctx0" brushRef="#br0">0 1 24575,'747'0'0,"-722"1"0,0 2 0,47 10 0,-45-7 0,0-1 0,34 2 0,631-5 0,-334-5 0,-257 3-1365,-72 0-5461</inkml:trace>
+</inkml:ink>
+</file>
+
+<file path=ppt/ink/ink2.xml><?xml version="1.0" encoding="utf-8"?>
+<inkml:ink xmlns:inkml="http://www.w3.org/2003/InkML">
+  <inkml:definitions>
+    <inkml:context xml:id="ctx0">
+      <inkml:inkSource xml:id="inkSrc0">
+        <inkml:traceFormat>
+          <inkml:channel name="X" type="integer" min="-2.14748E9" max="2.14748E9" units="cm"/>
+          <inkml:channel name="Y" type="integer" min="-2.14748E9" max="2.14748E9" units="cm"/>
+        </inkml:traceFormat>
+        <inkml:channelProperties>
+          <inkml:channelProperty channel="X" name="resolution" value="1000" units="1/cm"/>
+          <inkml:channelProperty channel="Y" name="resolution" value="1000" units="1/cm"/>
+        </inkml:channelProperties>
+      </inkml:inkSource>
+      <inkml:timestamp xml:id="ts0" timeString="2022-11-09T06:32:42.074"/>
+    </inkml:context>
+    <inkml:brush xml:id="br0">
+      <inkml:brushProperty name="width" value="0.3" units="cm"/>
+      <inkml:brushProperty name="height" value="0.6" units="cm"/>
+      <inkml:brushProperty name="color" value="#00FDFF"/>
+      <inkml:brushProperty name="tip" value="rectangle"/>
+      <inkml:brushProperty name="rasterOp" value="maskPen"/>
+      <inkml:brushProperty name="ignorePressure" value="1"/>
+    </inkml:brush>
+  </inkml:definitions>
+  <inkml:trace contextRef="#ctx0" brushRef="#br0">0 109,'1289'0,"-1263"-2,0 0,44-11,-42 7,0 1,31-1,-11 5,-9 1,0-2,-1-2,49-9,81-23,-117 28,1 2,0 3,0 1,53 7,11-2,-77-4,0 3,-1 1,63 13,-75-11,0-1,42 1,-40-5</inkml:trace>
+</inkml:ink>
+</file>
+
+<file path=ppt/ink/ink3.xml><?xml version="1.0" encoding="utf-8"?>
+<inkml:ink xmlns:inkml="http://www.w3.org/2003/InkML">
+  <inkml:definitions>
+    <inkml:context xml:id="ctx0">
+      <inkml:inkSource xml:id="inkSrc0">
+        <inkml:traceFormat>
+          <inkml:channel name="X" type="integer" min="-2.14748E9" max="2.14748E9" units="cm"/>
+          <inkml:channel name="Y" type="integer" min="-2.14748E9" max="2.14748E9" units="cm"/>
+        </inkml:traceFormat>
+        <inkml:channelProperties>
+          <inkml:channelProperty channel="X" name="resolution" value="1000" units="1/cm"/>
+          <inkml:channelProperty channel="Y" name="resolution" value="1000" units="1/cm"/>
+        </inkml:channelProperties>
+      </inkml:inkSource>
+      <inkml:timestamp xml:id="ts0" timeString="2022-11-09T06:32:43.288"/>
+    </inkml:context>
+    <inkml:brush xml:id="br0">
+      <inkml:brushProperty name="width" value="0.3" units="cm"/>
+      <inkml:brushProperty name="height" value="0.6" units="cm"/>
+      <inkml:brushProperty name="color" value="#00FDFF"/>
+      <inkml:brushProperty name="tip" value="rectangle"/>
+      <inkml:brushProperty name="rasterOp" value="maskPen"/>
+      <inkml:brushProperty name="ignorePressure" value="1"/>
+    </inkml:brush>
+  </inkml:definitions>
+  <inkml:trace contextRef="#ctx0" brushRef="#br0">1 1,'477'0,"-449"1,0 2,44 10,36 4,18 0,-84-10,61 4,495-10,-281-3,-291 3,-1 2,45 10,-42-7,0-1,31 1,-10-5,-11-1,1 2,-1 1,49 11,-56-8,1-2,57 1,-54-4,-1 1,36 7,19 13,-58-12,1-3,0 0,55 3,183-12,-240 2</inkml:trace>
+</inkml:ink>
+</file>
+
+<file path=ppt/ink/ink4.xml><?xml version="1.0" encoding="utf-8"?>
+<inkml:ink xmlns:inkml="http://www.w3.org/2003/InkML">
+  <inkml:definitions>
+    <inkml:context xml:id="ctx0">
+      <inkml:inkSource xml:id="inkSrc0">
+        <inkml:traceFormat>
+          <inkml:channel name="X" type="integer" min="-2.14748E9" max="2.14748E9" units="cm"/>
+          <inkml:channel name="Y" type="integer" min="-2.14748E9" max="2.14748E9" units="cm"/>
+        </inkml:traceFormat>
+        <inkml:channelProperties>
+          <inkml:channelProperty channel="X" name="resolution" value="1000" units="1/cm"/>
+          <inkml:channelProperty channel="Y" name="resolution" value="1000" units="1/cm"/>
+        </inkml:channelProperties>
+      </inkml:inkSource>
+      <inkml:timestamp xml:id="ts0" timeString="2022-11-09T06:32:44.419"/>
+    </inkml:context>
+    <inkml:brush xml:id="br0">
+      <inkml:brushProperty name="width" value="0.3" units="cm"/>
+      <inkml:brushProperty name="height" value="0.6" units="cm"/>
+      <inkml:brushProperty name="color" value="#00FDFF"/>
+      <inkml:brushProperty name="tip" value="rectangle"/>
+      <inkml:brushProperty name="rasterOp" value="maskPen"/>
+      <inkml:brushProperty name="ignorePressure" value="1"/>
+    </inkml:brush>
+  </inkml:definitions>
+  <inkml:trace contextRef="#ctx0" brushRef="#br0">1 138,'142'3,"157"-7,-217-11,-61 9,1 2,24-2,110-12,-90 9,84-1,324 11,-445-2,0-3,52-11,-17 2,6-2,-43 9,1 0,49-2,609 6,-321 5,-347-2,-1 1,0 0,29 9,-2 0,-19-7</inkml:trace>
+</inkml:ink>
+</file>
+
+<file path=ppt/ink/ink5.xml><?xml version="1.0" encoding="utf-8"?>
+<inkml:ink xmlns:inkml="http://www.w3.org/2003/InkML">
+  <inkml:definitions>
+    <inkml:context xml:id="ctx0">
+      <inkml:inkSource xml:id="inkSrc0">
+        <inkml:traceFormat>
+          <inkml:channel name="X" type="integer" min="-2.14748E9" max="2.14748E9" units="cm"/>
+          <inkml:channel name="Y" type="integer" min="-2.14748E9" max="2.14748E9" units="cm"/>
+        </inkml:traceFormat>
+        <inkml:channelProperties>
+          <inkml:channelProperty channel="X" name="resolution" value="1000" units="1/cm"/>
+          <inkml:channelProperty channel="Y" name="resolution" value="1000" units="1/cm"/>
+        </inkml:channelProperties>
+      </inkml:inkSource>
+      <inkml:timestamp xml:id="ts0" timeString="2022-11-09T06:32:48.319"/>
+    </inkml:context>
+    <inkml:brush xml:id="br0">
+      <inkml:brushProperty name="width" value="0.3" units="cm"/>
+      <inkml:brushProperty name="height" value="0.6" units="cm"/>
+      <inkml:brushProperty name="color" value="#00FDFF"/>
+      <inkml:brushProperty name="tip" value="rectangle"/>
+      <inkml:brushProperty name="rasterOp" value="maskPen"/>
+      <inkml:brushProperty name="ignorePressure" value="1"/>
+    </inkml:brush>
+  </inkml:definitions>
+  <inkml:trace contextRef="#ctx0" brushRef="#br0">0 1,'6'1,"0"1,0 0,-1 0,1 1,-1-1,0 1,9 6,-2-1,11 3,1-1,0-1,0-2,37 8,-32-8,7-1,51 5,29 4,-71-8,1-2,0-2,86-6,-69 1,66 5,-47 13,-62-10,1-2,26 3,341-4,-200-5,-180 2,1 0,0-1,0 0,-1 0,1-1,0 0,-1 0,0-1,1 0,-1-1,0 0,-1 0,1-1,-1 0,0 0,0 0,0-1,-1 0,7-9,-5 2</inkml:trace>
+</inkml:ink>
+</file>
+
+<file path=ppt/ink/ink6.xml><?xml version="1.0" encoding="utf-8"?>
+<inkml:ink xmlns:inkml="http://www.w3.org/2003/InkML">
+  <inkml:definitions>
+    <inkml:context xml:id="ctx0">
+      <inkml:inkSource xml:id="inkSrc0">
+        <inkml:traceFormat>
+          <inkml:channel name="X" type="integer" min="-2.14748E9" max="2.14748E9" units="cm"/>
+          <inkml:channel name="Y" type="integer" min="-2.14748E9" max="2.14748E9" units="cm"/>
+          <inkml:channel name="F" type="integer" max="32767" units="dev"/>
+        </inkml:traceFormat>
+        <inkml:channelProperties>
+          <inkml:channelProperty channel="X" name="resolution" value="1000" units="1/cm"/>
+          <inkml:channelProperty channel="Y" name="resolution" value="1000" units="1/cm"/>
+          <inkml:channelProperty channel="F" name="resolution" value="0" units="1/dev"/>
+        </inkml:channelProperties>
+      </inkml:inkSource>
+      <inkml:timestamp xml:id="ts0" timeString="2022-11-09T06:33:02.893"/>
+    </inkml:context>
+    <inkml:brush xml:id="br0">
+      <inkml:brushProperty name="width" value="0.1" units="cm"/>
+      <inkml:brushProperty name="height" value="0.1" units="cm"/>
+    </inkml:brush>
+  </inkml:definitions>
+  <inkml:trace contextRef="#ctx0" brushRef="#br0">1 70 24575,'36'-2'0,"1"-2"0,-1-1 0,62-18 0,-61 13 0,1 1 0,0 3 0,50-4 0,610 10 0,-318 2 0,-333 0 0,0 3 0,52 12 0,-46-8 0,18 6 0,-45-8 0,0-2 0,51 4 0,-42-9 0,26 1 0,115 17 0,-96-8 0,1-4 0,153-6 0,-87-3 0,123 3-1365,-241 0-5461</inkml:trace>
+</inkml:ink>
+</file>
+
+<file path=ppt/ink/ink7.xml><?xml version="1.0" encoding="utf-8"?>
+<inkml:ink xmlns:inkml="http://www.w3.org/2003/InkML">
+  <inkml:definitions>
+    <inkml:context xml:id="ctx0">
+      <inkml:inkSource xml:id="inkSrc0">
+        <inkml:traceFormat>
+          <inkml:channel name="X" type="integer" min="-2.14748E9" max="2.14748E9" units="cm"/>
+          <inkml:channel name="Y" type="integer" min="-2.14748E9" max="2.14748E9" units="cm"/>
+          <inkml:channel name="F" type="integer" max="32767" units="dev"/>
+        </inkml:traceFormat>
+        <inkml:channelProperties>
+          <inkml:channelProperty channel="X" name="resolution" value="1000" units="1/cm"/>
+          <inkml:channelProperty channel="Y" name="resolution" value="1000" units="1/cm"/>
+          <inkml:channelProperty channel="F" name="resolution" value="0" units="1/dev"/>
+        </inkml:channelProperties>
+      </inkml:inkSource>
+      <inkml:timestamp xml:id="ts0" timeString="2022-11-09T06:33:04.523"/>
+    </inkml:context>
+    <inkml:brush xml:id="br0">
+      <inkml:brushProperty name="width" value="0.1" units="cm"/>
+      <inkml:brushProperty name="height" value="0.1" units="cm"/>
+    </inkml:brush>
+  </inkml:definitions>
+  <inkml:trace contextRef="#ctx0" brushRef="#br0">0 39 24575,'48'0'0,"1"1"0,1-2 0,-1-2 0,75-15 0,-71 10 0,0 2 0,0 2 0,103 7 0,-43-1 0,1342-2-1365,-1426 0-5461</inkml:trace>
+</inkml:ink>
+</file>
+
+<file path=ppt/ink/ink8.xml><?xml version="1.0" encoding="utf-8"?>
+<inkml:ink xmlns:inkml="http://www.w3.org/2003/InkML">
+  <inkml:definitions>
+    <inkml:context xml:id="ctx0">
+      <inkml:inkSource xml:id="inkSrc0">
+        <inkml:traceFormat>
+          <inkml:channel name="X" type="integer" min="-2.14748E9" max="2.14748E9" units="cm"/>
+          <inkml:channel name="Y" type="integer" min="-2.14748E9" max="2.14748E9" units="cm"/>
+          <inkml:channel name="F" type="integer" max="32767" units="dev"/>
+        </inkml:traceFormat>
+        <inkml:channelProperties>
+          <inkml:channelProperty channel="X" name="resolution" value="1000" units="1/cm"/>
+          <inkml:channelProperty channel="Y" name="resolution" value="1000" units="1/cm"/>
+          <inkml:channelProperty channel="F" name="resolution" value="0" units="1/dev"/>
+        </inkml:channelProperties>
+      </inkml:inkSource>
+      <inkml:timestamp xml:id="ts0" timeString="2022-11-09T06:33:05.926"/>
+    </inkml:context>
+    <inkml:brush xml:id="br0">
+      <inkml:brushProperty name="width" value="0.1" units="cm"/>
+      <inkml:brushProperty name="height" value="0.1" units="cm"/>
+    </inkml:brush>
+  </inkml:definitions>
+  <inkml:trace contextRef="#ctx0" brushRef="#br0">1 0 24575,'45'3'0,"0"2"0,0 2 0,0 2 0,-1 1 0,-1 3 0,52 22 0,-67-26 0,2-2 0,35 6 0,5 0 0,134 20 0,-150-25 0,1-2 0,0-2 0,94-7 0,-34 0 0,1442 3-1365,-1528 0-5461</inkml:trace>
+</inkml:ink>
+</file>
+
+<file path=ppt/ink/ink9.xml><?xml version="1.0" encoding="utf-8"?>
+<inkml:ink xmlns:inkml="http://www.w3.org/2003/InkML">
+  <inkml:definitions>
+    <inkml:context xml:id="ctx0">
+      <inkml:inkSource xml:id="inkSrc0">
+        <inkml:traceFormat>
+          <inkml:channel name="X" type="integer" min="-2.14748E9" max="2.14748E9" units="cm"/>
+          <inkml:channel name="Y" type="integer" min="-2.14748E9" max="2.14748E9" units="cm"/>
+          <inkml:channel name="F" type="integer" max="32767" units="dev"/>
+        </inkml:traceFormat>
+        <inkml:channelProperties>
+          <inkml:channelProperty channel="X" name="resolution" value="1000" units="1/cm"/>
+          <inkml:channelProperty channel="Y" name="resolution" value="1000" units="1/cm"/>
+          <inkml:channelProperty channel="F" name="resolution" value="0" units="1/dev"/>
+        </inkml:channelProperties>
+      </inkml:inkSource>
+      <inkml:timestamp xml:id="ts0" timeString="2022-11-09T06:33:07.429"/>
+    </inkml:context>
+    <inkml:brush xml:id="br0">
+      <inkml:brushProperty name="width" value="0.1" units="cm"/>
+      <inkml:brushProperty name="height" value="0.1" units="cm"/>
+    </inkml:brush>
+  </inkml:definitions>
+  <inkml:trace contextRef="#ctx0" brushRef="#br0">1 1 24575,'0'1'0,"0"0"0,1 0 0,-1 1 0,1-1 0,-1 0 0,1 0 0,0 0 0,-1 0 0,1 0 0,0 1 0,0-1 0,0-1 0,0 1 0,0 0 0,0 0 0,0 0 0,0 0 0,0-1 0,0 1 0,0 0 0,1-1 0,-1 1 0,0-1 0,0 0 0,2 1 0,43 11 0,-25-8 0,10 4 0,0-1 0,0-1 0,0-2 0,1-2 0,61-2 0,42 3 0,-52 13 0,-63-11 0,1 0 0,26 1 0,52-2 0,-43-2 0,93 13 0,-69-5 0,1-3 0,153-8 0,-87-2 0,462 3 0,-574-1 0,-1-3 0,38-8 0,-35 5 0,57-3 0,439 9 0,-254 3 0,-254-3 0,0-2 0,47-11 0,-46 8 0,1 1 0,35-1 0,151 8 0,82-4 0,-262-4-1365,-3-1-5461</inkml:trace>
+</inkml:ink>
 </file>
 
 <file path=ppt/slideLayouts/slideLayout1.xml><?xml version="1.0" encoding="utf-8"?>
@@ -514,7 +824,7 @@
           <a:p>
             <a:fld id="{7FEAC0AD-978B-42B7-B06F-D702D45F76C9}" type="datetimeFigureOut">
               <a:rPr lang="ko-KR" altLang="en-US" smtClean="0"/>
-              <a:t>2022-11-09</a:t>
+              <a:t>2022-11-14</a:t>
             </a:fld>
             <a:endParaRPr lang="ko-KR" altLang="en-US"/>
           </a:p>
@@ -689,7 +999,7 @@
           <a:p>
             <a:fld id="{7FEAC0AD-978B-42B7-B06F-D702D45F76C9}" type="datetimeFigureOut">
               <a:rPr lang="ko-KR" altLang="en-US" smtClean="0"/>
-              <a:t>2022-11-09</a:t>
+              <a:t>2022-11-14</a:t>
             </a:fld>
             <a:endParaRPr lang="ko-KR" altLang="en-US"/>
           </a:p>
@@ -1067,7 +1377,7 @@
           <a:p>
             <a:fld id="{7FEAC0AD-978B-42B7-B06F-D702D45F76C9}" type="datetimeFigureOut">
               <a:rPr lang="ko-KR" altLang="en-US" smtClean="0"/>
-              <a:t>2022-11-09</a:t>
+              <a:t>2022-11-14</a:t>
             </a:fld>
             <a:endParaRPr lang="ko-KR" altLang="en-US"/>
           </a:p>
@@ -1237,7 +1547,7 @@
           <a:p>
             <a:fld id="{7FEAC0AD-978B-42B7-B06F-D702D45F76C9}" type="datetimeFigureOut">
               <a:rPr lang="ko-KR" altLang="en-US" smtClean="0"/>
-              <a:t>2022-11-09</a:t>
+              <a:t>2022-11-14</a:t>
             </a:fld>
             <a:endParaRPr lang="ko-KR" altLang="en-US"/>
           </a:p>
@@ -1464,7 +1774,7 @@
           <a:p>
             <a:fld id="{7FEAC0AD-978B-42B7-B06F-D702D45F76C9}" type="datetimeFigureOut">
               <a:rPr lang="ko-KR" altLang="en-US" smtClean="0"/>
-              <a:t>2022-11-09</a:t>
+              <a:t>2022-11-14</a:t>
             </a:fld>
             <a:endParaRPr lang="ko-KR" altLang="en-US"/>
           </a:p>
@@ -1995,7 +2305,7 @@
           <a:p>
             <a:fld id="{7FEAC0AD-978B-42B7-B06F-D702D45F76C9}" type="datetimeFigureOut">
               <a:rPr lang="ko-KR" altLang="en-US" smtClean="0"/>
-              <a:t>2022-11-09</a:t>
+              <a:t>2022-11-14</a:t>
             </a:fld>
             <a:endParaRPr lang="ko-KR" altLang="en-US"/>
           </a:p>
@@ -2491,7 +2801,7 @@
           <a:p>
             <a:fld id="{7FEAC0AD-978B-42B7-B06F-D702D45F76C9}" type="datetimeFigureOut">
               <a:rPr lang="ko-KR" altLang="en-US" smtClean="0"/>
-              <a:t>2022-11-09</a:t>
+              <a:t>2022-11-14</a:t>
             </a:fld>
             <a:endParaRPr lang="ko-KR" altLang="en-US"/>
           </a:p>
@@ -2824,7 +3134,7 @@
           <a:p>
             <a:fld id="{7FEAC0AD-978B-42B7-B06F-D702D45F76C9}" type="datetimeFigureOut">
               <a:rPr lang="ko-KR" altLang="en-US" smtClean="0"/>
-              <a:t>2022-11-09</a:t>
+              <a:t>2022-11-14</a:t>
             </a:fld>
             <a:endParaRPr lang="ko-KR" altLang="en-US"/>
           </a:p>
@@ -3213,7 +3523,7 @@
           <a:p>
             <a:fld id="{7FEAC0AD-978B-42B7-B06F-D702D45F76C9}" type="datetimeFigureOut">
               <a:rPr lang="ko-KR" altLang="en-US" smtClean="0"/>
-              <a:t>2022-11-09</a:t>
+              <a:t>2022-11-14</a:t>
             </a:fld>
             <a:endParaRPr lang="ko-KR" altLang="en-US"/>
           </a:p>
@@ -3437,7 +3747,7 @@
           <a:p>
             <a:fld id="{7FEAC0AD-978B-42B7-B06F-D702D45F76C9}" type="datetimeFigureOut">
               <a:rPr lang="ko-KR" altLang="en-US" smtClean="0"/>
-              <a:t>2022-11-09</a:t>
+              <a:t>2022-11-14</a:t>
             </a:fld>
             <a:endParaRPr lang="ko-KR" altLang="en-US"/>
           </a:p>
@@ -3796,7 +4106,7 @@
           <a:p>
             <a:fld id="{7FEAC0AD-978B-42B7-B06F-D702D45F76C9}" type="datetimeFigureOut">
               <a:rPr lang="ko-KR" altLang="en-US" smtClean="0"/>
-              <a:t>2022-11-09</a:t>
+              <a:t>2022-11-14</a:t>
             </a:fld>
             <a:endParaRPr lang="ko-KR" altLang="en-US"/>
           </a:p>
@@ -4207,7 +4517,7 @@
           <a:p>
             <a:fld id="{7FEAC0AD-978B-42B7-B06F-D702D45F76C9}" type="datetimeFigureOut">
               <a:rPr lang="ko-KR" altLang="en-US" smtClean="0"/>
-              <a:t>2022-11-09</a:t>
+              <a:t>2022-11-14</a:t>
             </a:fld>
             <a:endParaRPr lang="ko-KR" altLang="en-US"/>
           </a:p>
@@ -4728,10 +5038,9 @@
           <a:lstStyle/>
           <a:p>
             <a:r>
-              <a:rPr lang="ko-KR" altLang="en-US"/>
+              <a:rPr lang="ko-KR" altLang="en-US" dirty="0"/>
               <a:t>문경태</a:t>
             </a:r>
-            <a:endParaRPr lang="ko-KR" altLang="en-US" dirty="0"/>
           </a:p>
         </p:txBody>
       </p:sp>
@@ -4739,6 +5048,1387 @@
     <p:extLst>
       <p:ext uri="{BB962C8B-B14F-4D97-AF65-F5344CB8AC3E}">
         <p14:creationId xmlns:p14="http://schemas.microsoft.com/office/powerpoint/2010/main" val="2766259665"/>
+      </p:ext>
+    </p:extLst>
+  </p:cSld>
+  <p:clrMapOvr>
+    <a:masterClrMapping/>
+  </p:clrMapOvr>
+</p:sld>
+</file>
+
+<file path=ppt/slides/slide2.xml><?xml version="1.0" encoding="utf-8"?>
+<p:sld xmlns:a="http://schemas.openxmlformats.org/drawingml/2006/main" xmlns:r="http://schemas.openxmlformats.org/officeDocument/2006/relationships" xmlns:p="http://schemas.openxmlformats.org/presentationml/2006/main">
+  <p:cSld>
+    <p:spTree>
+      <p:nvGrpSpPr>
+        <p:cNvPr id="1" name=""/>
+        <p:cNvGrpSpPr/>
+        <p:nvPr/>
+      </p:nvGrpSpPr>
+      <p:grpSpPr>
+        <a:xfrm>
+          <a:off x="0" y="0"/>
+          <a:ext cx="0" cy="0"/>
+          <a:chOff x="0" y="0"/>
+          <a:chExt cx="0" cy="0"/>
+        </a:xfrm>
+      </p:grpSpPr>
+      <p:sp>
+        <p:nvSpPr>
+          <p:cNvPr id="2" name="제목 1">
+            <a:extLst>
+              <a:ext uri="{FF2B5EF4-FFF2-40B4-BE49-F238E27FC236}">
+                <a16:creationId xmlns:a16="http://schemas.microsoft.com/office/drawing/2014/main" id="{88325BAB-BFC6-1527-A5EE-768123624BDD}"/>
+              </a:ext>
+            </a:extLst>
+          </p:cNvPr>
+          <p:cNvSpPr>
+            <a:spLocks noGrp="1"/>
+          </p:cNvSpPr>
+          <p:nvPr>
+            <p:ph type="title"/>
+          </p:nvPr>
+        </p:nvSpPr>
+        <p:spPr/>
+        <p:txBody>
+          <a:bodyPr/>
+          <a:lstStyle/>
+          <a:p>
+            <a:r>
+              <a:rPr lang="en-US" altLang="ko-KR" dirty="0" err="1"/>
+              <a:t>ImGui</a:t>
+            </a:r>
+            <a:endParaRPr lang="ko-KR" altLang="en-US" dirty="0"/>
+          </a:p>
+        </p:txBody>
+      </p:sp>
+      <p:sp>
+        <p:nvSpPr>
+          <p:cNvPr id="3" name="내용 개체 틀 2">
+            <a:extLst>
+              <a:ext uri="{FF2B5EF4-FFF2-40B4-BE49-F238E27FC236}">
+                <a16:creationId xmlns:a16="http://schemas.microsoft.com/office/drawing/2014/main" id="{6C6B2C4D-08B5-AE4E-1239-0D3A13999A48}"/>
+              </a:ext>
+            </a:extLst>
+          </p:cNvPr>
+          <p:cNvSpPr>
+            <a:spLocks noGrp="1"/>
+          </p:cNvSpPr>
+          <p:nvPr>
+            <p:ph idx="1"/>
+          </p:nvPr>
+        </p:nvSpPr>
+        <p:spPr/>
+        <p:txBody>
+          <a:bodyPr/>
+          <a:lstStyle/>
+          <a:p>
+            <a:r>
+              <a:rPr lang="en-US" altLang="ko-KR" dirty="0" err="1"/>
+              <a:t>ImGUI</a:t>
+            </a:r>
+            <a:r>
+              <a:rPr lang="en-US" altLang="ko-KR" dirty="0"/>
+              <a:t>(</a:t>
+            </a:r>
+            <a:r>
+              <a:rPr lang="en-US" altLang="ko-KR" b="0" i="0" dirty="0">
+                <a:solidFill>
+                  <a:srgbClr val="4D5156"/>
+                </a:solidFill>
+                <a:effectLst/>
+                <a:latin typeface="Apple SD Gothic Neo"/>
+              </a:rPr>
+              <a:t>Immediate mode GUI, </a:t>
+            </a:r>
+            <a:r>
+              <a:rPr lang="ko-KR" altLang="en-US" b="0" i="0" dirty="0">
+                <a:solidFill>
+                  <a:srgbClr val="4D5156"/>
+                </a:solidFill>
+                <a:effectLst/>
+                <a:latin typeface="Apple SD Gothic Neo"/>
+              </a:rPr>
+              <a:t>즉시모드</a:t>
+            </a:r>
+            <a:r>
+              <a:rPr lang="en-US" altLang="ko-KR" dirty="0"/>
+              <a:t>) : </a:t>
+            </a:r>
+          </a:p>
+          <a:p>
+            <a:pPr marL="0" indent="0">
+              <a:buNone/>
+            </a:pPr>
+            <a:r>
+              <a:rPr lang="ko-KR" altLang="en-US" sz="2400" dirty="0"/>
+              <a:t>코드 기반의 </a:t>
+            </a:r>
+            <a:r>
+              <a:rPr lang="en-US" altLang="ko-KR" sz="2400" dirty="0"/>
+              <a:t>GUI </a:t>
+            </a:r>
+            <a:r>
+              <a:rPr lang="ko-KR" altLang="en-US" sz="2400" dirty="0"/>
+              <a:t>시스템으로 게임 엔진</a:t>
+            </a:r>
+            <a:r>
+              <a:rPr lang="en-US" altLang="ko-KR" sz="2400" dirty="0"/>
+              <a:t>(</a:t>
+            </a:r>
+            <a:r>
+              <a:rPr lang="ko-KR" altLang="en-US" sz="2400" dirty="0"/>
+              <a:t>툴 전용</a:t>
+            </a:r>
+            <a:r>
+              <a:rPr lang="en-US" altLang="ko-KR" sz="2400" dirty="0"/>
+              <a:t>), </a:t>
+            </a:r>
+            <a:r>
+              <a:rPr lang="ko-KR" altLang="en-US" sz="2400" dirty="0"/>
+              <a:t>실시간 </a:t>
+            </a:r>
+            <a:r>
+              <a:rPr lang="en-US" altLang="ko-KR" sz="2400" dirty="0"/>
+              <a:t>3D </a:t>
+            </a:r>
+            <a:r>
+              <a:rPr lang="ko-KR" altLang="en-US" sz="2400" dirty="0"/>
+              <a:t>애플리케이션</a:t>
+            </a:r>
+            <a:r>
+              <a:rPr lang="en-US" altLang="ko-KR" sz="2400" dirty="0"/>
+              <a:t> </a:t>
+            </a:r>
+            <a:r>
+              <a:rPr lang="ko-KR" altLang="en-US" sz="2400" dirty="0"/>
+              <a:t>등의</a:t>
+            </a:r>
+            <a:r>
+              <a:rPr lang="en-US" altLang="ko-KR" sz="2400" dirty="0"/>
+              <a:t> </a:t>
+            </a:r>
+            <a:r>
+              <a:rPr lang="ko-KR" altLang="en-US" sz="2400" dirty="0"/>
+              <a:t>개발용으로 적합</a:t>
+            </a:r>
+            <a:r>
+              <a:rPr lang="en-US" altLang="ko-KR" sz="2400" dirty="0"/>
+              <a:t>.</a:t>
+            </a:r>
+          </a:p>
+          <a:p>
+            <a:pPr marL="0" indent="0">
+              <a:buNone/>
+            </a:pPr>
+            <a:r>
+              <a:rPr lang="ko-KR" altLang="en-US" sz="2400" dirty="0"/>
+              <a:t>빠르고 </a:t>
+            </a:r>
+            <a:r>
+              <a:rPr lang="ko-KR" altLang="en-US" sz="2400" dirty="0" err="1"/>
+              <a:t>렌더러에</a:t>
+            </a:r>
+            <a:r>
+              <a:rPr lang="ko-KR" altLang="en-US" sz="2400" dirty="0"/>
+              <a:t> 구애 받지 않고 외부 종속성이 크지 않은 것이 특장점</a:t>
+            </a:r>
+            <a:r>
+              <a:rPr lang="en-US" altLang="ko-KR" sz="2400" dirty="0"/>
+              <a:t>.</a:t>
+            </a:r>
+          </a:p>
+          <a:p>
+            <a:pPr marL="0" indent="0">
+              <a:buNone/>
+            </a:pPr>
+            <a:r>
+              <a:rPr lang="en-US" altLang="ko-KR" sz="2400" dirty="0"/>
+              <a:t>Renderers : </a:t>
+            </a:r>
+            <a:r>
+              <a:rPr lang="en-US" altLang="ko-KR" sz="1600" b="0" i="0" dirty="0">
+                <a:solidFill>
+                  <a:srgbClr val="333333"/>
+                </a:solidFill>
+                <a:effectLst/>
+                <a:ea typeface="gulim" panose="020B0600000101010101" pitchFamily="50" charset="-127"/>
+              </a:rPr>
+              <a:t>DirectX9, DirectX10, DirectX11, DirectX12, OpenGL (legacy), OpenGL3/ES/ES2 (modern), Vulkan, Metal.</a:t>
+            </a:r>
+          </a:p>
+          <a:p>
+            <a:pPr marL="0" indent="0">
+              <a:buNone/>
+            </a:pPr>
+            <a:r>
+              <a:rPr lang="en-US" altLang="ko-KR" sz="2400" dirty="0"/>
+              <a:t>Platforms : </a:t>
+            </a:r>
+            <a:r>
+              <a:rPr lang="en-US" altLang="ko-KR" sz="2000" b="0" i="0" dirty="0">
+                <a:solidFill>
+                  <a:srgbClr val="333333"/>
+                </a:solidFill>
+                <a:effectLst/>
+                <a:ea typeface="gulim" panose="020B0600000101010101" pitchFamily="50" charset="-127"/>
+              </a:rPr>
+              <a:t>GLFW, SDL2, Win32, Glut, OSX.</a:t>
+            </a:r>
+          </a:p>
+          <a:p>
+            <a:pPr marL="0" indent="0">
+              <a:buNone/>
+            </a:pPr>
+            <a:r>
+              <a:rPr lang="en-US" altLang="ko-KR" sz="2400" dirty="0" err="1">
+                <a:solidFill>
+                  <a:srgbClr val="333333"/>
+                </a:solidFill>
+                <a:ea typeface="gulim" panose="020B0600000101010101" pitchFamily="50" charset="-127"/>
+              </a:rPr>
+              <a:t>FrameWorks</a:t>
+            </a:r>
+            <a:r>
+              <a:rPr lang="en-US" altLang="ko-KR" sz="2400" dirty="0">
+                <a:solidFill>
+                  <a:srgbClr val="333333"/>
+                </a:solidFill>
+                <a:ea typeface="gulim" panose="020B0600000101010101" pitchFamily="50" charset="-127"/>
+              </a:rPr>
+              <a:t> : </a:t>
+            </a:r>
+            <a:r>
+              <a:rPr lang="en-US" altLang="ko-KR" sz="2000" b="0" i="0" dirty="0" err="1">
+                <a:solidFill>
+                  <a:srgbClr val="333333"/>
+                </a:solidFill>
+                <a:effectLst/>
+                <a:ea typeface="gulim" panose="020B0600000101010101" pitchFamily="50" charset="-127"/>
+              </a:rPr>
+              <a:t>Emscripten</a:t>
+            </a:r>
+            <a:r>
+              <a:rPr lang="en-US" altLang="ko-KR" sz="2000" b="0" i="0" dirty="0">
+                <a:solidFill>
+                  <a:srgbClr val="333333"/>
+                </a:solidFill>
+                <a:effectLst/>
+                <a:ea typeface="gulim" panose="020B0600000101010101" pitchFamily="50" charset="-127"/>
+              </a:rPr>
+              <a:t>, Allegro5, Marmalade.</a:t>
+            </a:r>
+            <a:endParaRPr lang="ko-KR" altLang="en-US" sz="2000" dirty="0"/>
+          </a:p>
+        </p:txBody>
+      </p:sp>
+    </p:spTree>
+    <p:extLst>
+      <p:ext uri="{BB962C8B-B14F-4D97-AF65-F5344CB8AC3E}">
+        <p14:creationId xmlns:p14="http://schemas.microsoft.com/office/powerpoint/2010/main" val="104021217"/>
+      </p:ext>
+    </p:extLst>
+  </p:cSld>
+  <p:clrMapOvr>
+    <a:masterClrMapping/>
+  </p:clrMapOvr>
+</p:sld>
+</file>
+
+<file path=ppt/slides/slide3.xml><?xml version="1.0" encoding="utf-8"?>
+<p:sld xmlns:a="http://schemas.openxmlformats.org/drawingml/2006/main" xmlns:r="http://schemas.openxmlformats.org/officeDocument/2006/relationships" xmlns:p="http://schemas.openxmlformats.org/presentationml/2006/main">
+  <p:cSld>
+    <p:spTree>
+      <p:nvGrpSpPr>
+        <p:cNvPr id="1" name=""/>
+        <p:cNvGrpSpPr/>
+        <p:nvPr/>
+      </p:nvGrpSpPr>
+      <p:grpSpPr>
+        <a:xfrm>
+          <a:off x="0" y="0"/>
+          <a:ext cx="0" cy="0"/>
+          <a:chOff x="0" y="0"/>
+          <a:chExt cx="0" cy="0"/>
+        </a:xfrm>
+      </p:grpSpPr>
+      <p:sp>
+        <p:nvSpPr>
+          <p:cNvPr id="2" name="제목 1">
+            <a:extLst>
+              <a:ext uri="{FF2B5EF4-FFF2-40B4-BE49-F238E27FC236}">
+                <a16:creationId xmlns:a16="http://schemas.microsoft.com/office/drawing/2014/main" id="{C416193A-1B09-E62D-EB72-0ECE730C1FA2}"/>
+              </a:ext>
+            </a:extLst>
+          </p:cNvPr>
+          <p:cNvSpPr>
+            <a:spLocks noGrp="1"/>
+          </p:cNvSpPr>
+          <p:nvPr>
+            <p:ph type="title"/>
+          </p:nvPr>
+        </p:nvSpPr>
+        <p:spPr/>
+        <p:txBody>
+          <a:bodyPr/>
+          <a:lstStyle/>
+          <a:p>
+            <a:r>
+              <a:rPr lang="ko-KR" altLang="en-US" dirty="0"/>
+              <a:t>구현 리스트</a:t>
+            </a:r>
+          </a:p>
+        </p:txBody>
+      </p:sp>
+      <p:pic>
+        <p:nvPicPr>
+          <p:cNvPr id="5" name="내용 개체 틀 4">
+            <a:extLst>
+              <a:ext uri="{FF2B5EF4-FFF2-40B4-BE49-F238E27FC236}">
+                <a16:creationId xmlns:a16="http://schemas.microsoft.com/office/drawing/2014/main" id="{02D74E01-9B25-9A3E-D389-6D92F8167423}"/>
+              </a:ext>
+            </a:extLst>
+          </p:cNvPr>
+          <p:cNvPicPr>
+            <a:picLocks noGrp="1" noChangeAspect="1"/>
+          </p:cNvPicPr>
+          <p:nvPr>
+            <p:ph idx="1"/>
+          </p:nvPr>
+        </p:nvPicPr>
+        <p:blipFill rotWithShape="1">
+          <a:blip r:embed="rId2">
+            <a:extLst>
+              <a:ext uri="{28A0092B-C50C-407E-A947-70E740481C1C}">
+                <a14:useLocalDpi xmlns:a14="http://schemas.microsoft.com/office/drawing/2010/main" val="0"/>
+              </a:ext>
+            </a:extLst>
+          </a:blip>
+          <a:srcRect/>
+          <a:stretch/>
+        </p:blipFill>
+        <p:spPr>
+          <a:xfrm>
+            <a:off x="377952" y="1926335"/>
+            <a:ext cx="2682240" cy="4196704"/>
+          </a:xfrm>
+        </p:spPr>
+      </p:pic>
+      <mc:AlternateContent xmlns:mc="http://schemas.openxmlformats.org/markup-compatibility/2006" xmlns:p14="http://schemas.microsoft.com/office/powerpoint/2010/main">
+        <mc:Choice Requires="p14">
+          <p:contentPart p14:bwMode="auto" r:id="rId3">
+            <p14:nvContentPartPr>
+              <p14:cNvPr id="7" name="잉크 6">
+                <a:extLst>
+                  <a:ext uri="{FF2B5EF4-FFF2-40B4-BE49-F238E27FC236}">
+                    <a16:creationId xmlns:a16="http://schemas.microsoft.com/office/drawing/2014/main" id="{7C8C2159-3FD8-0CD0-101B-CF6F573C64B5}"/>
+                  </a:ext>
+                </a:extLst>
+              </p14:cNvPr>
+              <p14:cNvContentPartPr/>
+              <p14:nvPr/>
+            </p14:nvContentPartPr>
+            <p14:xfrm>
+              <a:off x="1109040" y="2316384"/>
+              <a:ext cx="1121040" cy="61560"/>
+            </p14:xfrm>
+          </p:contentPart>
+        </mc:Choice>
+        <mc:Fallback xmlns="">
+          <p:pic>
+            <p:nvPicPr>
+              <p:cNvPr id="7" name="잉크 6">
+                <a:extLst>
+                  <a:ext uri="{FF2B5EF4-FFF2-40B4-BE49-F238E27FC236}">
+                    <a16:creationId xmlns:a16="http://schemas.microsoft.com/office/drawing/2014/main" id="{7C8C2159-3FD8-0CD0-101B-CF6F573C64B5}"/>
+                  </a:ext>
+                </a:extLst>
+              </p:cNvPr>
+              <p:cNvPicPr/>
+              <p:nvPr/>
+            </p:nvPicPr>
+            <p:blipFill>
+              <a:blip r:embed="rId4"/>
+              <a:stretch>
+                <a:fillRect/>
+              </a:stretch>
+            </p:blipFill>
+            <p:spPr>
+              <a:xfrm>
+                <a:off x="1055400" y="2208384"/>
+                <a:ext cx="1228680" cy="277200"/>
+              </a:xfrm>
+              <a:prstGeom prst="rect">
+                <a:avLst/>
+              </a:prstGeom>
+            </p:spPr>
+          </p:pic>
+        </mc:Fallback>
+      </mc:AlternateContent>
+      <mc:AlternateContent xmlns:mc="http://schemas.openxmlformats.org/markup-compatibility/2006" xmlns:p14="http://schemas.microsoft.com/office/powerpoint/2010/main">
+        <mc:Choice Requires="p14">
+          <p:contentPart p14:bwMode="auto" r:id="rId5">
+            <p14:nvContentPartPr>
+              <p14:cNvPr id="8" name="잉크 7">
+                <a:extLst>
+                  <a:ext uri="{FF2B5EF4-FFF2-40B4-BE49-F238E27FC236}">
+                    <a16:creationId xmlns:a16="http://schemas.microsoft.com/office/drawing/2014/main" id="{7FFA712A-D5D8-4B2A-6960-7A3C324460C4}"/>
+                  </a:ext>
+                </a:extLst>
+              </p14:cNvPr>
+              <p14:cNvContentPartPr/>
+              <p14:nvPr/>
+            </p14:nvContentPartPr>
+            <p14:xfrm>
+              <a:off x="1097160" y="2679624"/>
+              <a:ext cx="986040" cy="39240"/>
+            </p14:xfrm>
+          </p:contentPart>
+        </mc:Choice>
+        <mc:Fallback xmlns="">
+          <p:pic>
+            <p:nvPicPr>
+              <p:cNvPr id="8" name="잉크 7">
+                <a:extLst>
+                  <a:ext uri="{FF2B5EF4-FFF2-40B4-BE49-F238E27FC236}">
+                    <a16:creationId xmlns:a16="http://schemas.microsoft.com/office/drawing/2014/main" id="{7FFA712A-D5D8-4B2A-6960-7A3C324460C4}"/>
+                  </a:ext>
+                </a:extLst>
+              </p:cNvPr>
+              <p:cNvPicPr/>
+              <p:nvPr/>
+            </p:nvPicPr>
+            <p:blipFill>
+              <a:blip r:embed="rId6"/>
+              <a:stretch>
+                <a:fillRect/>
+              </a:stretch>
+            </p:blipFill>
+            <p:spPr>
+              <a:xfrm>
+                <a:off x="1043160" y="2571624"/>
+                <a:ext cx="1093680" cy="254880"/>
+              </a:xfrm>
+              <a:prstGeom prst="rect">
+                <a:avLst/>
+              </a:prstGeom>
+            </p:spPr>
+          </p:pic>
+        </mc:Fallback>
+      </mc:AlternateContent>
+      <mc:AlternateContent xmlns:mc="http://schemas.openxmlformats.org/markup-compatibility/2006" xmlns:p14="http://schemas.microsoft.com/office/powerpoint/2010/main">
+        <mc:Choice Requires="p14">
+          <p:contentPart p14:bwMode="auto" r:id="rId7">
+            <p14:nvContentPartPr>
+              <p14:cNvPr id="9" name="잉크 8">
+                <a:extLst>
+                  <a:ext uri="{FF2B5EF4-FFF2-40B4-BE49-F238E27FC236}">
+                    <a16:creationId xmlns:a16="http://schemas.microsoft.com/office/drawing/2014/main" id="{9EA942E7-4AE7-448E-86FD-0A2C2434F35F}"/>
+                  </a:ext>
+                </a:extLst>
+              </p14:cNvPr>
+              <p14:cNvContentPartPr/>
+              <p14:nvPr/>
+            </p14:nvContentPartPr>
+            <p14:xfrm>
+              <a:off x="1109040" y="3169584"/>
+              <a:ext cx="1169640" cy="74160"/>
+            </p14:xfrm>
+          </p:contentPart>
+        </mc:Choice>
+        <mc:Fallback xmlns="">
+          <p:pic>
+            <p:nvPicPr>
+              <p:cNvPr id="9" name="잉크 8">
+                <a:extLst>
+                  <a:ext uri="{FF2B5EF4-FFF2-40B4-BE49-F238E27FC236}">
+                    <a16:creationId xmlns:a16="http://schemas.microsoft.com/office/drawing/2014/main" id="{9EA942E7-4AE7-448E-86FD-0A2C2434F35F}"/>
+                  </a:ext>
+                </a:extLst>
+              </p:cNvPr>
+              <p:cNvPicPr/>
+              <p:nvPr/>
+            </p:nvPicPr>
+            <p:blipFill>
+              <a:blip r:embed="rId8"/>
+              <a:stretch>
+                <a:fillRect/>
+              </a:stretch>
+            </p:blipFill>
+            <p:spPr>
+              <a:xfrm>
+                <a:off x="1055400" y="3061944"/>
+                <a:ext cx="1277280" cy="289800"/>
+              </a:xfrm>
+              <a:prstGeom prst="rect">
+                <a:avLst/>
+              </a:prstGeom>
+            </p:spPr>
+          </p:pic>
+        </mc:Fallback>
+      </mc:AlternateContent>
+      <mc:AlternateContent xmlns:mc="http://schemas.openxmlformats.org/markup-compatibility/2006" xmlns:p14="http://schemas.microsoft.com/office/powerpoint/2010/main">
+        <mc:Choice Requires="p14">
+          <p:contentPart p14:bwMode="auto" r:id="rId9">
+            <p14:nvContentPartPr>
+              <p14:cNvPr id="10" name="잉크 9">
+                <a:extLst>
+                  <a:ext uri="{FF2B5EF4-FFF2-40B4-BE49-F238E27FC236}">
+                    <a16:creationId xmlns:a16="http://schemas.microsoft.com/office/drawing/2014/main" id="{1411E5A2-2959-D822-72B4-E954F1B82804}"/>
+                  </a:ext>
+                </a:extLst>
+              </p14:cNvPr>
+              <p14:cNvContentPartPr/>
+              <p14:nvPr/>
+            </p14:nvContentPartPr>
+            <p14:xfrm>
+              <a:off x="1072680" y="3522384"/>
+              <a:ext cx="1109520" cy="50760"/>
+            </p14:xfrm>
+          </p:contentPart>
+        </mc:Choice>
+        <mc:Fallback xmlns="">
+          <p:pic>
+            <p:nvPicPr>
+              <p:cNvPr id="10" name="잉크 9">
+                <a:extLst>
+                  <a:ext uri="{FF2B5EF4-FFF2-40B4-BE49-F238E27FC236}">
+                    <a16:creationId xmlns:a16="http://schemas.microsoft.com/office/drawing/2014/main" id="{1411E5A2-2959-D822-72B4-E954F1B82804}"/>
+                  </a:ext>
+                </a:extLst>
+              </p:cNvPr>
+              <p:cNvPicPr/>
+              <p:nvPr/>
+            </p:nvPicPr>
+            <p:blipFill>
+              <a:blip r:embed="rId10"/>
+              <a:stretch>
+                <a:fillRect/>
+              </a:stretch>
+            </p:blipFill>
+            <p:spPr>
+              <a:xfrm>
+                <a:off x="1019040" y="3414384"/>
+                <a:ext cx="1217160" cy="266400"/>
+              </a:xfrm>
+              <a:prstGeom prst="rect">
+                <a:avLst/>
+              </a:prstGeom>
+            </p:spPr>
+          </p:pic>
+        </mc:Fallback>
+      </mc:AlternateContent>
+      <mc:AlternateContent xmlns:mc="http://schemas.openxmlformats.org/markup-compatibility/2006" xmlns:p14="http://schemas.microsoft.com/office/powerpoint/2010/main">
+        <mc:Choice Requires="p14">
+          <p:contentPart p14:bwMode="auto" r:id="rId11">
+            <p14:nvContentPartPr>
+              <p14:cNvPr id="12" name="잉크 11">
+                <a:extLst>
+                  <a:ext uri="{FF2B5EF4-FFF2-40B4-BE49-F238E27FC236}">
+                    <a16:creationId xmlns:a16="http://schemas.microsoft.com/office/drawing/2014/main" id="{A206E204-F2AE-7644-75CF-91596A31370D}"/>
+                  </a:ext>
+                </a:extLst>
+              </p14:cNvPr>
+              <p14:cNvContentPartPr/>
+              <p14:nvPr/>
+            </p14:nvContentPartPr>
+            <p14:xfrm>
+              <a:off x="828960" y="3998664"/>
+              <a:ext cx="672840" cy="62640"/>
+            </p14:xfrm>
+          </p:contentPart>
+        </mc:Choice>
+        <mc:Fallback xmlns="">
+          <p:pic>
+            <p:nvPicPr>
+              <p:cNvPr id="12" name="잉크 11">
+                <a:extLst>
+                  <a:ext uri="{FF2B5EF4-FFF2-40B4-BE49-F238E27FC236}">
+                    <a16:creationId xmlns:a16="http://schemas.microsoft.com/office/drawing/2014/main" id="{A206E204-F2AE-7644-75CF-91596A31370D}"/>
+                  </a:ext>
+                </a:extLst>
+              </p:cNvPr>
+              <p:cNvPicPr/>
+              <p:nvPr/>
+            </p:nvPicPr>
+            <p:blipFill>
+              <a:blip r:embed="rId12"/>
+              <a:stretch>
+                <a:fillRect/>
+              </a:stretch>
+            </p:blipFill>
+            <p:spPr>
+              <a:xfrm>
+                <a:off x="774960" y="3891024"/>
+                <a:ext cx="780480" cy="278280"/>
+              </a:xfrm>
+              <a:prstGeom prst="rect">
+                <a:avLst/>
+              </a:prstGeom>
+            </p:spPr>
+          </p:pic>
+        </mc:Fallback>
+      </mc:AlternateContent>
+      <mc:AlternateContent xmlns:mc="http://schemas.openxmlformats.org/markup-compatibility/2006" xmlns:p14="http://schemas.microsoft.com/office/powerpoint/2010/main">
+        <mc:Choice Requires="p14">
+          <p:contentPart p14:bwMode="auto" r:id="rId13">
+            <p14:nvContentPartPr>
+              <p14:cNvPr id="14" name="잉크 13">
+                <a:extLst>
+                  <a:ext uri="{FF2B5EF4-FFF2-40B4-BE49-F238E27FC236}">
+                    <a16:creationId xmlns:a16="http://schemas.microsoft.com/office/drawing/2014/main" id="{F3B2E08C-DC9E-13C2-048E-4E92D846AB57}"/>
+                  </a:ext>
+                </a:extLst>
+              </p14:cNvPr>
+              <p14:cNvContentPartPr/>
+              <p14:nvPr/>
+            </p14:nvContentPartPr>
+            <p14:xfrm>
+              <a:off x="1084560" y="4412664"/>
+              <a:ext cx="1096560" cy="38880"/>
+            </p14:xfrm>
+          </p:contentPart>
+        </mc:Choice>
+        <mc:Fallback xmlns="">
+          <p:pic>
+            <p:nvPicPr>
+              <p:cNvPr id="14" name="잉크 13">
+                <a:extLst>
+                  <a:ext uri="{FF2B5EF4-FFF2-40B4-BE49-F238E27FC236}">
+                    <a16:creationId xmlns:a16="http://schemas.microsoft.com/office/drawing/2014/main" id="{F3B2E08C-DC9E-13C2-048E-4E92D846AB57}"/>
+                  </a:ext>
+                </a:extLst>
+              </p:cNvPr>
+              <p:cNvPicPr/>
+              <p:nvPr/>
+            </p:nvPicPr>
+            <p:blipFill>
+              <a:blip r:embed="rId14"/>
+              <a:stretch>
+                <a:fillRect/>
+              </a:stretch>
+            </p:blipFill>
+            <p:spPr>
+              <a:xfrm>
+                <a:off x="1066920" y="4395024"/>
+                <a:ext cx="1132200" cy="74520"/>
+              </a:xfrm>
+              <a:prstGeom prst="rect">
+                <a:avLst/>
+              </a:prstGeom>
+            </p:spPr>
+          </p:pic>
+        </mc:Fallback>
+      </mc:AlternateContent>
+      <mc:AlternateContent xmlns:mc="http://schemas.openxmlformats.org/markup-compatibility/2006" xmlns:p14="http://schemas.microsoft.com/office/powerpoint/2010/main">
+        <mc:Choice Requires="p14">
+          <p:contentPart p14:bwMode="auto" r:id="rId15">
+            <p14:nvContentPartPr>
+              <p14:cNvPr id="15" name="잉크 14">
+                <a:extLst>
+                  <a:ext uri="{FF2B5EF4-FFF2-40B4-BE49-F238E27FC236}">
+                    <a16:creationId xmlns:a16="http://schemas.microsoft.com/office/drawing/2014/main" id="{BDD79404-6D62-B0ED-5921-0B8340E4E787}"/>
+                  </a:ext>
+                </a:extLst>
+              </p14:cNvPr>
+              <p14:cNvContentPartPr/>
+              <p14:nvPr/>
+            </p14:nvContentPartPr>
+            <p14:xfrm>
+              <a:off x="1633560" y="3984984"/>
+              <a:ext cx="803880" cy="14760"/>
+            </p14:xfrm>
+          </p:contentPart>
+        </mc:Choice>
+        <mc:Fallback xmlns="">
+          <p:pic>
+            <p:nvPicPr>
+              <p:cNvPr id="15" name="잉크 14">
+                <a:extLst>
+                  <a:ext uri="{FF2B5EF4-FFF2-40B4-BE49-F238E27FC236}">
+                    <a16:creationId xmlns:a16="http://schemas.microsoft.com/office/drawing/2014/main" id="{BDD79404-6D62-B0ED-5921-0B8340E4E787}"/>
+                  </a:ext>
+                </a:extLst>
+              </p:cNvPr>
+              <p:cNvPicPr/>
+              <p:nvPr/>
+            </p:nvPicPr>
+            <p:blipFill>
+              <a:blip r:embed="rId16"/>
+              <a:stretch>
+                <a:fillRect/>
+              </a:stretch>
+            </p:blipFill>
+            <p:spPr>
+              <a:xfrm>
+                <a:off x="1615560" y="3966984"/>
+                <a:ext cx="839520" cy="50400"/>
+              </a:xfrm>
+              <a:prstGeom prst="rect">
+                <a:avLst/>
+              </a:prstGeom>
+            </p:spPr>
+          </p:pic>
+        </mc:Fallback>
+      </mc:AlternateContent>
+      <mc:AlternateContent xmlns:mc="http://schemas.openxmlformats.org/markup-compatibility/2006" xmlns:p14="http://schemas.microsoft.com/office/powerpoint/2010/main">
+        <mc:Choice Requires="p14">
+          <p:contentPart p14:bwMode="auto" r:id="rId17">
+            <p14:nvContentPartPr>
+              <p14:cNvPr id="16" name="잉크 15">
+                <a:extLst>
+                  <a:ext uri="{FF2B5EF4-FFF2-40B4-BE49-F238E27FC236}">
+                    <a16:creationId xmlns:a16="http://schemas.microsoft.com/office/drawing/2014/main" id="{C697DAFD-D9CE-72C0-F443-C694D3E8B71C}"/>
+                  </a:ext>
+                </a:extLst>
+              </p14:cNvPr>
+              <p14:cNvContentPartPr/>
+              <p14:nvPr/>
+            </p14:nvContentPartPr>
+            <p14:xfrm>
+              <a:off x="1194720" y="4791384"/>
+              <a:ext cx="998640" cy="63000"/>
+            </p14:xfrm>
+          </p:contentPart>
+        </mc:Choice>
+        <mc:Fallback xmlns="">
+          <p:pic>
+            <p:nvPicPr>
+              <p:cNvPr id="16" name="잉크 15">
+                <a:extLst>
+                  <a:ext uri="{FF2B5EF4-FFF2-40B4-BE49-F238E27FC236}">
+                    <a16:creationId xmlns:a16="http://schemas.microsoft.com/office/drawing/2014/main" id="{C697DAFD-D9CE-72C0-F443-C694D3E8B71C}"/>
+                  </a:ext>
+                </a:extLst>
+              </p:cNvPr>
+              <p:cNvPicPr/>
+              <p:nvPr/>
+            </p:nvPicPr>
+            <p:blipFill>
+              <a:blip r:embed="rId18"/>
+              <a:stretch>
+                <a:fillRect/>
+              </a:stretch>
+            </p:blipFill>
+            <p:spPr>
+              <a:xfrm>
+                <a:off x="1177080" y="4773384"/>
+                <a:ext cx="1034280" cy="98640"/>
+              </a:xfrm>
+              <a:prstGeom prst="rect">
+                <a:avLst/>
+              </a:prstGeom>
+            </p:spPr>
+          </p:pic>
+        </mc:Fallback>
+      </mc:AlternateContent>
+      <mc:AlternateContent xmlns:mc="http://schemas.openxmlformats.org/markup-compatibility/2006" xmlns:p14="http://schemas.microsoft.com/office/powerpoint/2010/main">
+        <mc:Choice Requires="p14">
+          <p:contentPart p14:bwMode="auto" r:id="rId19">
+            <p14:nvContentPartPr>
+              <p14:cNvPr id="17" name="잉크 16">
+                <a:extLst>
+                  <a:ext uri="{FF2B5EF4-FFF2-40B4-BE49-F238E27FC236}">
+                    <a16:creationId xmlns:a16="http://schemas.microsoft.com/office/drawing/2014/main" id="{71BEE9F9-0248-8C8E-32B2-A8E9073165AD}"/>
+                  </a:ext>
+                </a:extLst>
+              </p14:cNvPr>
+              <p14:cNvContentPartPr/>
+              <p14:nvPr/>
+            </p14:nvContentPartPr>
+            <p14:xfrm>
+              <a:off x="1048200" y="5254344"/>
+              <a:ext cx="1437840" cy="50400"/>
+            </p14:xfrm>
+          </p:contentPart>
+        </mc:Choice>
+        <mc:Fallback xmlns="">
+          <p:pic>
+            <p:nvPicPr>
+              <p:cNvPr id="17" name="잉크 16">
+                <a:extLst>
+                  <a:ext uri="{FF2B5EF4-FFF2-40B4-BE49-F238E27FC236}">
+                    <a16:creationId xmlns:a16="http://schemas.microsoft.com/office/drawing/2014/main" id="{71BEE9F9-0248-8C8E-32B2-A8E9073165AD}"/>
+                  </a:ext>
+                </a:extLst>
+              </p:cNvPr>
+              <p:cNvPicPr/>
+              <p:nvPr/>
+            </p:nvPicPr>
+            <p:blipFill>
+              <a:blip r:embed="rId20"/>
+              <a:stretch>
+                <a:fillRect/>
+              </a:stretch>
+            </p:blipFill>
+            <p:spPr>
+              <a:xfrm>
+                <a:off x="1030560" y="5236704"/>
+                <a:ext cx="1473480" cy="86040"/>
+              </a:xfrm>
+              <a:prstGeom prst="rect">
+                <a:avLst/>
+              </a:prstGeom>
+            </p:spPr>
+          </p:pic>
+        </mc:Fallback>
+      </mc:AlternateContent>
+      <mc:AlternateContent xmlns:mc="http://schemas.openxmlformats.org/markup-compatibility/2006" xmlns:p14="http://schemas.microsoft.com/office/powerpoint/2010/main">
+        <mc:Choice Requires="p14">
+          <p:contentPart p14:bwMode="auto" r:id="rId21">
+            <p14:nvContentPartPr>
+              <p14:cNvPr id="18" name="잉크 17">
+                <a:extLst>
+                  <a:ext uri="{FF2B5EF4-FFF2-40B4-BE49-F238E27FC236}">
+                    <a16:creationId xmlns:a16="http://schemas.microsoft.com/office/drawing/2014/main" id="{107BD1EA-C39F-2ED6-B0A7-8E230C42C051}"/>
+                  </a:ext>
+                </a:extLst>
+              </p14:cNvPr>
+              <p14:cNvContentPartPr/>
+              <p14:nvPr/>
+            </p14:nvContentPartPr>
+            <p14:xfrm>
+              <a:off x="1267800" y="5705424"/>
+              <a:ext cx="779400" cy="13680"/>
+            </p14:xfrm>
+          </p:contentPart>
+        </mc:Choice>
+        <mc:Fallback xmlns="">
+          <p:pic>
+            <p:nvPicPr>
+              <p:cNvPr id="18" name="잉크 17">
+                <a:extLst>
+                  <a:ext uri="{FF2B5EF4-FFF2-40B4-BE49-F238E27FC236}">
+                    <a16:creationId xmlns:a16="http://schemas.microsoft.com/office/drawing/2014/main" id="{107BD1EA-C39F-2ED6-B0A7-8E230C42C051}"/>
+                  </a:ext>
+                </a:extLst>
+              </p:cNvPr>
+              <p:cNvPicPr/>
+              <p:nvPr/>
+            </p:nvPicPr>
+            <p:blipFill>
+              <a:blip r:embed="rId22"/>
+              <a:stretch>
+                <a:fillRect/>
+              </a:stretch>
+            </p:blipFill>
+            <p:spPr>
+              <a:xfrm>
+                <a:off x="1249800" y="5687784"/>
+                <a:ext cx="815040" cy="49320"/>
+              </a:xfrm>
+              <a:prstGeom prst="rect">
+                <a:avLst/>
+              </a:prstGeom>
+            </p:spPr>
+          </p:pic>
+        </mc:Fallback>
+      </mc:AlternateContent>
+      <p:sp>
+        <p:nvSpPr>
+          <p:cNvPr id="20" name="TextBox 19">
+            <a:extLst>
+              <a:ext uri="{FF2B5EF4-FFF2-40B4-BE49-F238E27FC236}">
+                <a16:creationId xmlns:a16="http://schemas.microsoft.com/office/drawing/2014/main" id="{EF812678-7318-07A9-B921-1AD8705C5A98}"/>
+              </a:ext>
+            </a:extLst>
+          </p:cNvPr>
+          <p:cNvSpPr txBox="1"/>
+          <p:nvPr/>
+        </p:nvSpPr>
+        <p:spPr>
+          <a:xfrm>
+            <a:off x="3983443" y="1577350"/>
+            <a:ext cx="5849654" cy="4554708"/>
+          </a:xfrm>
+          <a:prstGeom prst="rect">
+            <a:avLst/>
+          </a:prstGeom>
+          <a:noFill/>
+        </p:spPr>
+        <p:txBody>
+          <a:bodyPr wrap="square" rtlCol="0" anchor="t">
+            <a:spAutoFit/>
+          </a:bodyPr>
+          <a:lstStyle/>
+          <a:p>
+            <a:pPr marL="342900" indent="-342900">
+              <a:lnSpc>
+                <a:spcPct val="250000"/>
+              </a:lnSpc>
+              <a:buAutoNum type="arabicPeriod"/>
+            </a:pPr>
+            <a:r>
+              <a:rPr lang="ko-KR" altLang="en-US" sz="2400" dirty="0"/>
+              <a:t>현재시각 출력</a:t>
+            </a:r>
+            <a:endParaRPr lang="en-US" altLang="ko-KR" sz="2400" dirty="0"/>
+          </a:p>
+          <a:p>
+            <a:pPr marL="342900" indent="-342900">
+              <a:lnSpc>
+                <a:spcPct val="250000"/>
+              </a:lnSpc>
+              <a:buAutoNum type="arabicPeriod"/>
+            </a:pPr>
+            <a:r>
+              <a:rPr lang="ko-KR" altLang="en-US" sz="2400" dirty="0" err="1"/>
+              <a:t>텍스쳐</a:t>
+            </a:r>
+            <a:r>
+              <a:rPr lang="ko-KR" altLang="en-US" sz="2400" dirty="0"/>
+              <a:t> 이미지 렌더링</a:t>
+            </a:r>
+            <a:endParaRPr lang="en-US" altLang="ko-KR" sz="2400" dirty="0"/>
+          </a:p>
+          <a:p>
+            <a:pPr marL="342900" indent="-342900">
+              <a:lnSpc>
+                <a:spcPct val="250000"/>
+              </a:lnSpc>
+              <a:buAutoNum type="arabicPeriod"/>
+            </a:pPr>
+            <a:r>
+              <a:rPr lang="ko-KR" altLang="en-US" sz="2400" dirty="0"/>
+              <a:t>색상 선택</a:t>
+            </a:r>
+            <a:endParaRPr lang="en-US" altLang="ko-KR" sz="2400" dirty="0"/>
+          </a:p>
+          <a:p>
+            <a:pPr marL="342900" indent="-342900">
+              <a:lnSpc>
+                <a:spcPct val="250000"/>
+              </a:lnSpc>
+              <a:buAutoNum type="arabicPeriod"/>
+            </a:pPr>
+            <a:r>
+              <a:rPr lang="ko-KR" altLang="en-US" sz="2400" dirty="0"/>
+              <a:t>텍스트 입력 및 컬러 텍스트 출력</a:t>
+            </a:r>
+            <a:endParaRPr lang="en-US" altLang="ko-KR" sz="2400" dirty="0"/>
+          </a:p>
+          <a:p>
+            <a:pPr marL="342900" indent="-342900">
+              <a:lnSpc>
+                <a:spcPct val="250000"/>
+              </a:lnSpc>
+              <a:buAutoNum type="arabicPeriod"/>
+            </a:pPr>
+            <a:r>
+              <a:rPr lang="ko-KR" altLang="en-US" sz="2400" dirty="0"/>
+              <a:t>스크롤 바 </a:t>
+            </a:r>
+          </a:p>
+        </p:txBody>
+      </p:sp>
+    </p:spTree>
+    <p:extLst>
+      <p:ext uri="{BB962C8B-B14F-4D97-AF65-F5344CB8AC3E}">
+        <p14:creationId xmlns:p14="http://schemas.microsoft.com/office/powerpoint/2010/main" val="3414552659"/>
+      </p:ext>
+    </p:extLst>
+  </p:cSld>
+  <p:clrMapOvr>
+    <a:masterClrMapping/>
+  </p:clrMapOvr>
+</p:sld>
+</file>
+
+<file path=ppt/slides/slide4.xml><?xml version="1.0" encoding="utf-8"?>
+<p:sld xmlns:a="http://schemas.openxmlformats.org/drawingml/2006/main" xmlns:r="http://schemas.openxmlformats.org/officeDocument/2006/relationships" xmlns:p="http://schemas.openxmlformats.org/presentationml/2006/main">
+  <p:cSld>
+    <p:spTree>
+      <p:nvGrpSpPr>
+        <p:cNvPr id="1" name=""/>
+        <p:cNvGrpSpPr/>
+        <p:nvPr/>
+      </p:nvGrpSpPr>
+      <p:grpSpPr>
+        <a:xfrm>
+          <a:off x="0" y="0"/>
+          <a:ext cx="0" cy="0"/>
+          <a:chOff x="0" y="0"/>
+          <a:chExt cx="0" cy="0"/>
+        </a:xfrm>
+      </p:grpSpPr>
+      <p:sp>
+        <p:nvSpPr>
+          <p:cNvPr id="2" name="제목 1">
+            <a:extLst>
+              <a:ext uri="{FF2B5EF4-FFF2-40B4-BE49-F238E27FC236}">
+                <a16:creationId xmlns:a16="http://schemas.microsoft.com/office/drawing/2014/main" id="{5C9E497C-18AC-EE82-8DD3-2AD7AD9A4865}"/>
+              </a:ext>
+            </a:extLst>
+          </p:cNvPr>
+          <p:cNvSpPr>
+            <a:spLocks noGrp="1"/>
+          </p:cNvSpPr>
+          <p:nvPr>
+            <p:ph type="title"/>
+          </p:nvPr>
+        </p:nvSpPr>
+        <p:spPr/>
+        <p:txBody>
+          <a:bodyPr/>
+          <a:lstStyle/>
+          <a:p>
+            <a:r>
+              <a:rPr lang="en-US" altLang="ko-KR" dirty="0"/>
+              <a:t>UE4 – </a:t>
+            </a:r>
+            <a:r>
+              <a:rPr lang="en-US" altLang="ko-KR" dirty="0" err="1"/>
+              <a:t>ImGUI</a:t>
+            </a:r>
+            <a:r>
+              <a:rPr lang="en-US" altLang="ko-KR" dirty="0"/>
+              <a:t> </a:t>
+            </a:r>
+            <a:r>
+              <a:rPr lang="ko-KR" altLang="en-US" dirty="0"/>
+              <a:t>플러그인 연동</a:t>
+            </a:r>
+          </a:p>
+        </p:txBody>
+      </p:sp>
+      <p:sp>
+        <p:nvSpPr>
+          <p:cNvPr id="3" name="텍스트 개체 틀 2">
+            <a:extLst>
+              <a:ext uri="{FF2B5EF4-FFF2-40B4-BE49-F238E27FC236}">
+                <a16:creationId xmlns:a16="http://schemas.microsoft.com/office/drawing/2014/main" id="{545E3071-2965-D32A-401F-2A2E42D2C49C}"/>
+              </a:ext>
+            </a:extLst>
+          </p:cNvPr>
+          <p:cNvSpPr>
+            <a:spLocks noGrp="1"/>
+          </p:cNvSpPr>
+          <p:nvPr>
+            <p:ph type="body" sz="half" idx="2"/>
+          </p:nvPr>
+        </p:nvSpPr>
+        <p:spPr/>
+        <p:txBody>
+          <a:bodyPr/>
+          <a:lstStyle/>
+          <a:p>
+            <a:r>
+              <a:rPr lang="ko-KR" altLang="en-US" dirty="0">
+                <a:latin typeface="+mj-lt"/>
+              </a:rPr>
+              <a:t>참고 자료 및 사이트</a:t>
+            </a:r>
+            <a:endParaRPr lang="en-US" altLang="ko-KR" dirty="0">
+              <a:latin typeface="+mj-lt"/>
+            </a:endParaRPr>
+          </a:p>
+          <a:p>
+            <a:endParaRPr lang="en-US" altLang="ko-KR" dirty="0">
+              <a:latin typeface="+mj-lt"/>
+            </a:endParaRPr>
+          </a:p>
+          <a:p>
+            <a:pPr marL="285750" indent="-285750">
+              <a:buFont typeface="Arial" panose="020B0604020202020204" pitchFamily="34" charset="0"/>
+              <a:buChar char="•"/>
+            </a:pPr>
+            <a:r>
+              <a:rPr lang="en-US" altLang="ko-KR" dirty="0">
+                <a:latin typeface="+mj-lt"/>
+                <a:hlinkClick r:id="rId2"/>
+              </a:rPr>
+              <a:t>https://pafuhana1213.hatenablog.com/entry/UnrealImGui-HowTo-Basic</a:t>
+            </a:r>
+            <a:endParaRPr lang="en-US" altLang="ko-KR" dirty="0">
+              <a:latin typeface="+mj-lt"/>
+            </a:endParaRPr>
+          </a:p>
+          <a:p>
+            <a:pPr marL="285750" indent="-285750">
+              <a:buFont typeface="Arial" panose="020B0604020202020204" pitchFamily="34" charset="0"/>
+              <a:buChar char="•"/>
+            </a:pPr>
+            <a:r>
+              <a:rPr lang="en-US" altLang="ko-KR" dirty="0">
+                <a:latin typeface="+mj-lt"/>
+                <a:hlinkClick r:id="rId3"/>
+              </a:rPr>
+              <a:t>https://github.com/segross/UnrealImGui</a:t>
+            </a:r>
+            <a:r>
+              <a:rPr lang="en-US" altLang="ko-KR" dirty="0">
+                <a:latin typeface="+mj-lt"/>
+              </a:rPr>
+              <a:t> : Unreal</a:t>
+            </a:r>
+            <a:r>
+              <a:rPr lang="ko-KR" altLang="en-US" dirty="0">
+                <a:latin typeface="+mj-lt"/>
+              </a:rPr>
+              <a:t>용 </a:t>
+            </a:r>
+            <a:r>
+              <a:rPr lang="en-US" altLang="ko-KR" dirty="0" err="1">
+                <a:latin typeface="+mj-lt"/>
+              </a:rPr>
+              <a:t>ImGui</a:t>
+            </a:r>
+            <a:r>
+              <a:rPr lang="en-US" altLang="ko-KR" dirty="0">
+                <a:latin typeface="+mj-lt"/>
+              </a:rPr>
+              <a:t> </a:t>
+            </a:r>
+            <a:r>
+              <a:rPr lang="ko-KR" altLang="en-US" dirty="0">
+                <a:latin typeface="+mj-lt"/>
+              </a:rPr>
+              <a:t>플러그인 </a:t>
+            </a:r>
+            <a:r>
+              <a:rPr lang="en-US" altLang="ko-KR" dirty="0">
+                <a:latin typeface="+mj-lt"/>
+              </a:rPr>
+              <a:t>Git </a:t>
+            </a:r>
+            <a:r>
+              <a:rPr lang="ko-KR" altLang="en-US" dirty="0">
+                <a:latin typeface="+mj-lt"/>
+              </a:rPr>
+              <a:t>링크</a:t>
+            </a:r>
+            <a:endParaRPr lang="en-US" altLang="ko-KR" dirty="0">
+              <a:latin typeface="+mj-lt"/>
+            </a:endParaRPr>
+          </a:p>
+          <a:p>
+            <a:endParaRPr lang="en-US" altLang="ko-KR" dirty="0">
+              <a:latin typeface="+mj-lt"/>
+            </a:endParaRPr>
+          </a:p>
+          <a:p>
+            <a:endParaRPr lang="en-US" altLang="ko-KR" dirty="0">
+              <a:latin typeface="+mj-lt"/>
+            </a:endParaRPr>
+          </a:p>
+          <a:p>
+            <a:r>
+              <a:rPr lang="en-US" altLang="ko-KR" dirty="0" err="1">
+                <a:latin typeface="+mj-lt"/>
+              </a:rPr>
+              <a:t>ImGui</a:t>
+            </a:r>
+            <a:r>
+              <a:rPr lang="ko-KR" altLang="en-US" dirty="0">
+                <a:latin typeface="+mj-lt"/>
+              </a:rPr>
+              <a:t> 구현 개인 프로젝트 </a:t>
+            </a:r>
+            <a:r>
+              <a:rPr lang="en-US" altLang="ko-KR" dirty="0">
+                <a:latin typeface="+mj-lt"/>
+              </a:rPr>
+              <a:t>Git </a:t>
+            </a:r>
+            <a:r>
+              <a:rPr lang="ko-KR" altLang="en-US" dirty="0">
+                <a:latin typeface="+mj-lt"/>
+              </a:rPr>
+              <a:t>링크</a:t>
+            </a:r>
+            <a:endParaRPr lang="en-US" altLang="ko-KR" dirty="0">
+              <a:latin typeface="+mj-lt"/>
+            </a:endParaRPr>
+          </a:p>
+          <a:p>
+            <a:r>
+              <a:rPr lang="en-US" altLang="ko-KR" dirty="0">
+                <a:latin typeface="+mj-lt"/>
+                <a:hlinkClick r:id="rId4"/>
+              </a:rPr>
+              <a:t>https://github.com/zpfhfh0124/UE4_ImGui_Ex</a:t>
+            </a:r>
+            <a:endParaRPr lang="en-US" altLang="ko-KR" dirty="0">
+              <a:latin typeface="+mj-lt"/>
+            </a:endParaRPr>
+          </a:p>
+          <a:p>
+            <a:pPr marL="285750" indent="-285750">
+              <a:buFont typeface="Arial" panose="020B0604020202020204" pitchFamily="34" charset="0"/>
+              <a:buChar char="•"/>
+            </a:pPr>
+            <a:endParaRPr lang="ko-KR" altLang="en-US" dirty="0">
+              <a:latin typeface="+mj-lt"/>
+            </a:endParaRPr>
+          </a:p>
+        </p:txBody>
+      </p:sp>
+      <p:sp>
+        <p:nvSpPr>
+          <p:cNvPr id="4" name="내용 개체 틀 3">
+            <a:extLst>
+              <a:ext uri="{FF2B5EF4-FFF2-40B4-BE49-F238E27FC236}">
+                <a16:creationId xmlns:a16="http://schemas.microsoft.com/office/drawing/2014/main" id="{B4280496-0B1D-7306-2F37-44EDBCA8D4A3}"/>
+              </a:ext>
+            </a:extLst>
+          </p:cNvPr>
+          <p:cNvSpPr>
+            <a:spLocks noGrp="1"/>
+          </p:cNvSpPr>
+          <p:nvPr>
+            <p:ph sz="quarter" idx="13"/>
+          </p:nvPr>
+        </p:nvSpPr>
+        <p:spPr/>
+        <p:txBody>
+          <a:bodyPr/>
+          <a:lstStyle/>
+          <a:p>
+            <a:r>
+              <a:rPr lang="en-US" altLang="ko-KR" dirty="0"/>
+              <a:t>UE4 </a:t>
+            </a:r>
+            <a:r>
+              <a:rPr lang="ko-KR" altLang="en-US" dirty="0"/>
+              <a:t>프로젝트 생성 후 </a:t>
+            </a:r>
+            <a:r>
+              <a:rPr lang="en-US" altLang="ko-KR" dirty="0"/>
+              <a:t>Plugin </a:t>
+            </a:r>
+            <a:r>
+              <a:rPr lang="ko-KR" altLang="en-US" dirty="0"/>
+              <a:t>경로에 </a:t>
+            </a:r>
+            <a:r>
+              <a:rPr lang="en-US" altLang="ko-KR" dirty="0" err="1"/>
+              <a:t>ImGui</a:t>
+            </a:r>
+            <a:r>
+              <a:rPr lang="en-US" altLang="ko-KR" dirty="0"/>
+              <a:t> </a:t>
+            </a:r>
+            <a:r>
+              <a:rPr lang="ko-KR" altLang="en-US" dirty="0"/>
+              <a:t>플러그인 파일 추가</a:t>
+            </a:r>
+            <a:endParaRPr lang="en-US" altLang="ko-KR" dirty="0"/>
+          </a:p>
+          <a:p>
+            <a:endParaRPr lang="en-US" altLang="ko-KR" dirty="0"/>
+          </a:p>
+        </p:txBody>
+      </p:sp>
+      <p:pic>
+        <p:nvPicPr>
+          <p:cNvPr id="6" name="그림 5">
+            <a:extLst>
+              <a:ext uri="{FF2B5EF4-FFF2-40B4-BE49-F238E27FC236}">
+                <a16:creationId xmlns:a16="http://schemas.microsoft.com/office/drawing/2014/main" id="{DD3125C3-48CB-9BB4-6DCB-CBFD36FD5476}"/>
+              </a:ext>
+            </a:extLst>
+          </p:cNvPr>
+          <p:cNvPicPr>
+            <a:picLocks noChangeAspect="1"/>
+          </p:cNvPicPr>
+          <p:nvPr/>
+        </p:nvPicPr>
+        <p:blipFill rotWithShape="1">
+          <a:blip r:embed="rId5">
+            <a:extLst>
+              <a:ext uri="{28A0092B-C50C-407E-A947-70E740481C1C}">
+                <a14:useLocalDpi xmlns:a14="http://schemas.microsoft.com/office/drawing/2010/main" val="0"/>
+              </a:ext>
+            </a:extLst>
+          </a:blip>
+          <a:srcRect l="16478" t="14074"/>
+          <a:stretch/>
+        </p:blipFill>
+        <p:spPr>
+          <a:xfrm>
+            <a:off x="609598" y="2638425"/>
+            <a:ext cx="5486401" cy="3747780"/>
+          </a:xfrm>
+          <a:prstGeom prst="rect">
+            <a:avLst/>
+          </a:prstGeom>
+        </p:spPr>
+      </p:pic>
+    </p:spTree>
+    <p:extLst>
+      <p:ext uri="{BB962C8B-B14F-4D97-AF65-F5344CB8AC3E}">
+        <p14:creationId xmlns:p14="http://schemas.microsoft.com/office/powerpoint/2010/main" val="3202805184"/>
+      </p:ext>
+    </p:extLst>
+  </p:cSld>
+  <p:clrMapOvr>
+    <a:masterClrMapping/>
+  </p:clrMapOvr>
+</p:sld>
+</file>
+
+<file path=ppt/slides/slide5.xml><?xml version="1.0" encoding="utf-8"?>
+<p:sld xmlns:a="http://schemas.openxmlformats.org/drawingml/2006/main" xmlns:r="http://schemas.openxmlformats.org/officeDocument/2006/relationships" xmlns:p="http://schemas.openxmlformats.org/presentationml/2006/main">
+  <p:cSld>
+    <p:spTree>
+      <p:nvGrpSpPr>
+        <p:cNvPr id="1" name=""/>
+        <p:cNvGrpSpPr/>
+        <p:nvPr/>
+      </p:nvGrpSpPr>
+      <p:grpSpPr>
+        <a:xfrm>
+          <a:off x="0" y="0"/>
+          <a:ext cx="0" cy="0"/>
+          <a:chOff x="0" y="0"/>
+          <a:chExt cx="0" cy="0"/>
+        </a:xfrm>
+      </p:grpSpPr>
+      <p:sp>
+        <p:nvSpPr>
+          <p:cNvPr id="2" name="제목 1">
+            <a:extLst>
+              <a:ext uri="{FF2B5EF4-FFF2-40B4-BE49-F238E27FC236}">
+                <a16:creationId xmlns:a16="http://schemas.microsoft.com/office/drawing/2014/main" id="{5C9E497C-18AC-EE82-8DD3-2AD7AD9A4865}"/>
+              </a:ext>
+            </a:extLst>
+          </p:cNvPr>
+          <p:cNvSpPr>
+            <a:spLocks noGrp="1"/>
+          </p:cNvSpPr>
+          <p:nvPr>
+            <p:ph type="title"/>
+          </p:nvPr>
+        </p:nvSpPr>
+        <p:spPr/>
+        <p:txBody>
+          <a:bodyPr/>
+          <a:lstStyle/>
+          <a:p>
+            <a:r>
+              <a:rPr lang="en-US" altLang="ko-KR" dirty="0"/>
+              <a:t>UE4 – </a:t>
+            </a:r>
+            <a:r>
+              <a:rPr lang="en-US" altLang="ko-KR" dirty="0" err="1"/>
+              <a:t>ImGUI</a:t>
+            </a:r>
+            <a:r>
+              <a:rPr lang="en-US" altLang="ko-KR" dirty="0"/>
+              <a:t> </a:t>
+            </a:r>
+            <a:r>
+              <a:rPr lang="ko-KR" altLang="en-US" dirty="0"/>
+              <a:t>플러그인 연동</a:t>
+            </a:r>
+          </a:p>
+        </p:txBody>
+      </p:sp>
+    </p:spTree>
+    <p:extLst>
+      <p:ext uri="{BB962C8B-B14F-4D97-AF65-F5344CB8AC3E}">
+        <p14:creationId xmlns:p14="http://schemas.microsoft.com/office/powerpoint/2010/main" val="2989323642"/>
       </p:ext>
     </p:extLst>
   </p:cSld>
@@ -5032,4 +6722,193 @@
   <a:objectDefaults/>
   <a:extraClrSchemeLst/>
 </a:theme>
+</file>
+
+<file path=customXml/item1.xml><?xml version="1.0" encoding="utf-8"?>
+<?mso-contentType ?>
+<FormTemplates xmlns="http://schemas.microsoft.com/sharepoint/v3/contenttype/forms">
+  <Display>DocumentLibraryForm</Display>
+  <Edit>DocumentLibraryForm</Edit>
+  <New>DocumentLibraryForm</New>
+</FormTemplates>
+</file>
+
+<file path=customXml/item2.xml><?xml version="1.0" encoding="utf-8"?>
+<ct:contentTypeSchema xmlns:ct="http://schemas.microsoft.com/office/2006/metadata/contentType" xmlns:ma="http://schemas.microsoft.com/office/2006/metadata/properties/metaAttributes" ct:_="" ma:_="" ma:contentTypeName="문서" ma:contentTypeID="0x0101002582B512493C3E40B3D3539D0FA5362A" ma:contentTypeVersion="2" ma:contentTypeDescription="새 문서를 만듭니다." ma:contentTypeScope="" ma:versionID="e59bd2db4c2bf92e879a938b44ba0553">
+  <xsd:schema xmlns:xsd="http://www.w3.org/2001/XMLSchema" xmlns:xs="http://www.w3.org/2001/XMLSchema" xmlns:p="http://schemas.microsoft.com/office/2006/metadata/properties" xmlns:ns3="2414ff08-1f71-476b-8f21-c6c34e5e6921" targetNamespace="http://schemas.microsoft.com/office/2006/metadata/properties" ma:root="true" ma:fieldsID="b20e80dda2574f76264a56ef268cabe1" ns3:_="">
+    <xsd:import namespace="2414ff08-1f71-476b-8f21-c6c34e5e6921"/>
+    <xsd:element name="properties">
+      <xsd:complexType>
+        <xsd:sequence>
+          <xsd:element name="documentManagement">
+            <xsd:complexType>
+              <xsd:all>
+                <xsd:element ref="ns3:MediaServiceMetadata" minOccurs="0"/>
+                <xsd:element ref="ns3:MediaServiceFastMetadata" minOccurs="0"/>
+              </xsd:all>
+            </xsd:complexType>
+          </xsd:element>
+        </xsd:sequence>
+      </xsd:complexType>
+    </xsd:element>
+  </xsd:schema>
+  <xsd:schema xmlns:xsd="http://www.w3.org/2001/XMLSchema" xmlns:xs="http://www.w3.org/2001/XMLSchema" xmlns:dms="http://schemas.microsoft.com/office/2006/documentManagement/types" xmlns:pc="http://schemas.microsoft.com/office/infopath/2007/PartnerControls" targetNamespace="2414ff08-1f71-476b-8f21-c6c34e5e6921" elementFormDefault="qualified">
+    <xsd:import namespace="http://schemas.microsoft.com/office/2006/documentManagement/types"/>
+    <xsd:import namespace="http://schemas.microsoft.com/office/infopath/2007/PartnerControls"/>
+    <xsd:element name="MediaServiceMetadata" ma:index="8" nillable="true" ma:displayName="MediaServiceMetadata" ma:hidden="true" ma:internalName="MediaServiceMetadata" ma:readOnly="true">
+      <xsd:simpleType>
+        <xsd:restriction base="dms:Note"/>
+      </xsd:simpleType>
+    </xsd:element>
+    <xsd:element name="MediaServiceFastMetadata" ma:index="9" nillable="true" ma:displayName="MediaServiceFastMetadata" ma:hidden="true" ma:internalName="MediaServiceFastMetadata" ma:readOnly="true">
+      <xsd:simpleType>
+        <xsd:restriction base="dms:Note"/>
+      </xsd:simpleType>
+    </xsd:element>
+  </xsd:schema>
+  <xsd:schema xmlns="http://schemas.openxmlformats.org/package/2006/metadata/core-properties" xmlns:xsd="http://www.w3.org/2001/XMLSchema" xmlns:xsi="http://www.w3.org/2001/XMLSchema-instance" xmlns:dc="http://purl.org/dc/elements/1.1/" xmlns:dcterms="http://purl.org/dc/terms/" xmlns:odoc="http://schemas.microsoft.com/internal/obd" targetNamespace="http://schemas.openxmlformats.org/package/2006/metadata/core-properties" elementFormDefault="qualified" attributeFormDefault="unqualified" blockDefault="#all">
+    <xsd:import namespace="http://purl.org/dc/elements/1.1/" schemaLocation="http://dublincore.org/schemas/xmls/qdc/2003/04/02/dc.xsd"/>
+    <xsd:import namespace="http://purl.org/dc/terms/" schemaLocation="http://dublincore.org/schemas/xmls/qdc/2003/04/02/dcterms.xsd"/>
+    <xsd:element name="coreProperties" type="CT_coreProperties"/>
+    <xsd:complexType name="CT_coreProperties">
+      <xsd:all>
+        <xsd:element ref="dc:creator" minOccurs="0" maxOccurs="1"/>
+        <xsd:element ref="dcterms:created" minOccurs="0" maxOccurs="1"/>
+        <xsd:element ref="dc:identifier" minOccurs="0" maxOccurs="1"/>
+        <xsd:element name="contentType" minOccurs="0" maxOccurs="1" type="xsd:string" ma:index="0" ma:displayName="콘텐츠 형식"/>
+        <xsd:element ref="dc:title" minOccurs="0" maxOccurs="1" ma:index="4" ma:displayName="제목"/>
+        <xsd:element ref="dc:subject" minOccurs="0" maxOccurs="1"/>
+        <xsd:element ref="dc:description" minOccurs="0" maxOccurs="1"/>
+        <xsd:element name="keywords" minOccurs="0" maxOccurs="1" type="xsd:string"/>
+        <xsd:element ref="dc:language" minOccurs="0" maxOccurs="1"/>
+        <xsd:element name="category" minOccurs="0" maxOccurs="1" type="xsd:string"/>
+        <xsd:element name="version" minOccurs="0" maxOccurs="1" type="xsd:string"/>
+        <xsd:element name="revision" minOccurs="0" maxOccurs="1" type="xsd:string">
+          <xsd:annotation>
+            <xsd:documentation>
+                        This value indicates the number of saves or revisions. The application is responsible for updating this value after each revision.
+                    </xsd:documentation>
+          </xsd:annotation>
+        </xsd:element>
+        <xsd:element name="lastModifiedBy" minOccurs="0" maxOccurs="1" type="xsd:string"/>
+        <xsd:element ref="dcterms:modified" minOccurs="0" maxOccurs="1"/>
+        <xsd:element name="contentStatus" minOccurs="0" maxOccurs="1" type="xsd:string"/>
+      </xsd:all>
+    </xsd:complexType>
+  </xsd:schema>
+  <xs:schema xmlns:pc="http://schemas.microsoft.com/office/infopath/2007/PartnerControls" xmlns:xs="http://www.w3.org/2001/XMLSchema" targetNamespace="http://schemas.microsoft.com/office/infopath/2007/PartnerControls" elementFormDefault="qualified" attributeFormDefault="unqualified">
+    <xs:element name="Person">
+      <xs:complexType>
+        <xs:sequence>
+          <xs:element ref="pc:DisplayName" minOccurs="0"/>
+          <xs:element ref="pc:AccountId" minOccurs="0"/>
+          <xs:element ref="pc:AccountType" minOccurs="0"/>
+        </xs:sequence>
+      </xs:complexType>
+    </xs:element>
+    <xs:element name="DisplayName" type="xs:string"/>
+    <xs:element name="AccountId" type="xs:string"/>
+    <xs:element name="AccountType" type="xs:string"/>
+    <xs:element name="BDCAssociatedEntity">
+      <xs:complexType>
+        <xs:sequence>
+          <xs:element ref="pc:BDCEntity" minOccurs="0" maxOccurs="unbounded"/>
+        </xs:sequence>
+        <xs:attribute ref="pc:EntityNamespace"/>
+        <xs:attribute ref="pc:EntityName"/>
+        <xs:attribute ref="pc:SystemInstanceName"/>
+        <xs:attribute ref="pc:AssociationName"/>
+      </xs:complexType>
+    </xs:element>
+    <xs:attribute name="EntityNamespace" type="xs:string"/>
+    <xs:attribute name="EntityName" type="xs:string"/>
+    <xs:attribute name="SystemInstanceName" type="xs:string"/>
+    <xs:attribute name="AssociationName" type="xs:string"/>
+    <xs:element name="BDCEntity">
+      <xs:complexType>
+        <xs:sequence>
+          <xs:element ref="pc:EntityDisplayName" minOccurs="0"/>
+          <xs:element ref="pc:EntityInstanceReference" minOccurs="0"/>
+          <xs:element ref="pc:EntityId1" minOccurs="0"/>
+          <xs:element ref="pc:EntityId2" minOccurs="0"/>
+          <xs:element ref="pc:EntityId3" minOccurs="0"/>
+          <xs:element ref="pc:EntityId4" minOccurs="0"/>
+          <xs:element ref="pc:EntityId5" minOccurs="0"/>
+        </xs:sequence>
+      </xs:complexType>
+    </xs:element>
+    <xs:element name="EntityDisplayName" type="xs:string"/>
+    <xs:element name="EntityInstanceReference" type="xs:string"/>
+    <xs:element name="EntityId1" type="xs:string"/>
+    <xs:element name="EntityId2" type="xs:string"/>
+    <xs:element name="EntityId3" type="xs:string"/>
+    <xs:element name="EntityId4" type="xs:string"/>
+    <xs:element name="EntityId5" type="xs:string"/>
+    <xs:element name="Terms">
+      <xs:complexType>
+        <xs:sequence>
+          <xs:element ref="pc:TermInfo" minOccurs="0" maxOccurs="unbounded"/>
+        </xs:sequence>
+      </xs:complexType>
+    </xs:element>
+    <xs:element name="TermInfo">
+      <xs:complexType>
+        <xs:sequence>
+          <xs:element ref="pc:TermName" minOccurs="0"/>
+          <xs:element ref="pc:TermId" minOccurs="0"/>
+        </xs:sequence>
+      </xs:complexType>
+    </xs:element>
+    <xs:element name="TermName" type="xs:string"/>
+    <xs:element name="TermId" type="xs:string"/>
+  </xs:schema>
+</ct:contentTypeSchema>
+</file>
+
+<file path=customXml/item3.xml><?xml version="1.0" encoding="utf-8"?>
+<p:properties xmlns:p="http://schemas.microsoft.com/office/2006/metadata/properties" xmlns:xsi="http://www.w3.org/2001/XMLSchema-instance" xmlns:pc="http://schemas.microsoft.com/office/infopath/2007/PartnerControls">
+  <documentManagement/>
+</p:properties>
+</file>
+
+<file path=customXml/itemProps1.xml><?xml version="1.0" encoding="utf-8"?>
+<ds:datastoreItem xmlns:ds="http://schemas.openxmlformats.org/officeDocument/2006/customXml" ds:itemID="{738BD760-F7C0-4556-8461-FED9A940450F}">
+  <ds:schemaRefs>
+    <ds:schemaRef ds:uri="http://schemas.microsoft.com/sharepoint/v3/contenttype/forms"/>
+  </ds:schemaRefs>
+</ds:datastoreItem>
+</file>
+
+<file path=customXml/itemProps2.xml><?xml version="1.0" encoding="utf-8"?>
+<ds:datastoreItem xmlns:ds="http://schemas.openxmlformats.org/officeDocument/2006/customXml" ds:itemID="{BF8B202B-96E2-4662-945A-99ED1A879394}">
+  <ds:schemaRefs>
+    <ds:schemaRef ds:uri="http://schemas.microsoft.com/office/2006/metadata/contentType"/>
+    <ds:schemaRef ds:uri="http://schemas.microsoft.com/office/2006/metadata/properties/metaAttributes"/>
+    <ds:schemaRef ds:uri="http://www.w3.org/2001/XMLSchema"/>
+    <ds:schemaRef ds:uri="http://schemas.microsoft.com/office/2006/metadata/properties"/>
+    <ds:schemaRef ds:uri="2414ff08-1f71-476b-8f21-c6c34e5e6921"/>
+    <ds:schemaRef ds:uri="http://schemas.microsoft.com/office/2006/documentManagement/types"/>
+    <ds:schemaRef ds:uri="http://schemas.microsoft.com/office/infopath/2007/PartnerControls"/>
+    <ds:schemaRef ds:uri="http://schemas.openxmlformats.org/package/2006/metadata/core-properties"/>
+    <ds:schemaRef ds:uri="http://purl.org/dc/elements/1.1/"/>
+    <ds:schemaRef ds:uri="http://purl.org/dc/terms/"/>
+    <ds:schemaRef ds:uri="http://schemas.microsoft.com/internal/obd"/>
+  </ds:schemaRefs>
+</ds:datastoreItem>
+</file>
+
+<file path=customXml/itemProps3.xml><?xml version="1.0" encoding="utf-8"?>
+<ds:datastoreItem xmlns:ds="http://schemas.openxmlformats.org/officeDocument/2006/customXml" ds:itemID="{D7F6FA08-4B24-4749-8A26-DBBD73973D13}">
+  <ds:schemaRefs>
+    <ds:schemaRef ds:uri="http://purl.org/dc/elements/1.1/"/>
+    <ds:schemaRef ds:uri="2414ff08-1f71-476b-8f21-c6c34e5e6921"/>
+    <ds:schemaRef ds:uri="http://schemas.microsoft.com/office/2006/documentManagement/types"/>
+    <ds:schemaRef ds:uri="http://www.w3.org/XML/1998/namespace"/>
+    <ds:schemaRef ds:uri="http://purl.org/dc/terms/"/>
+    <ds:schemaRef ds:uri="http://purl.org/dc/dcmitype/"/>
+    <ds:schemaRef ds:uri="http://schemas.microsoft.com/office/infopath/2007/PartnerControls"/>
+    <ds:schemaRef ds:uri="http://schemas.openxmlformats.org/package/2006/metadata/core-properties"/>
+    <ds:schemaRef ds:uri="http://schemas.microsoft.com/office/2006/metadata/properties"/>
+  </ds:schemaRefs>
+</ds:datastoreItem>
 </file>
--- a/UE4_ImGui_실습.pptx
+++ b/UE4_ImGui_실습.pptx
@@ -10,6 +10,14 @@
     <p:sldId id="257" r:id="rId7"/>
     <p:sldId id="259" r:id="rId8"/>
     <p:sldId id="260" r:id="rId9"/>
+    <p:sldId id="261" r:id="rId10"/>
+    <p:sldId id="262" r:id="rId11"/>
+    <p:sldId id="264" r:id="rId12"/>
+    <p:sldId id="263" r:id="rId13"/>
+    <p:sldId id="265" r:id="rId14"/>
+    <p:sldId id="266" r:id="rId15"/>
+    <p:sldId id="267" r:id="rId16"/>
+    <p:sldId id="268" r:id="rId17"/>
   </p:sldIdLst>
   <p:sldSz cx="12192000" cy="6858000"/>
   <p:notesSz cx="6858000" cy="9144000"/>
@@ -118,6 +126,14 @@
             <p14:sldId id="257"/>
             <p14:sldId id="259"/>
             <p14:sldId id="260"/>
+            <p14:sldId id="261"/>
+            <p14:sldId id="262"/>
+            <p14:sldId id="264"/>
+            <p14:sldId id="263"/>
+            <p14:sldId id="265"/>
+            <p14:sldId id="266"/>
+            <p14:sldId id="267"/>
+            <p14:sldId id="268"/>
           </p14:sldIdLst>
         </p14:section>
       </p14:sectionLst>
@@ -5048,6 +5064,959 @@
     <p:extLst>
       <p:ext uri="{BB962C8B-B14F-4D97-AF65-F5344CB8AC3E}">
         <p14:creationId xmlns:p14="http://schemas.microsoft.com/office/powerpoint/2010/main" val="2766259665"/>
+      </p:ext>
+    </p:extLst>
+  </p:cSld>
+  <p:clrMapOvr>
+    <a:masterClrMapping/>
+  </p:clrMapOvr>
+</p:sld>
+</file>
+
+<file path=ppt/slides/slide10.xml><?xml version="1.0" encoding="utf-8"?>
+<p:sld xmlns:a="http://schemas.openxmlformats.org/drawingml/2006/main" xmlns:r="http://schemas.openxmlformats.org/officeDocument/2006/relationships" xmlns:p="http://schemas.openxmlformats.org/presentationml/2006/main">
+  <p:cSld>
+    <p:spTree>
+      <p:nvGrpSpPr>
+        <p:cNvPr id="1" name=""/>
+        <p:cNvGrpSpPr/>
+        <p:nvPr/>
+      </p:nvGrpSpPr>
+      <p:grpSpPr>
+        <a:xfrm>
+          <a:off x="0" y="0"/>
+          <a:ext cx="0" cy="0"/>
+          <a:chOff x="0" y="0"/>
+          <a:chExt cx="0" cy="0"/>
+        </a:xfrm>
+      </p:grpSpPr>
+      <p:sp>
+        <p:nvSpPr>
+          <p:cNvPr id="2" name="제목 1">
+            <a:extLst>
+              <a:ext uri="{FF2B5EF4-FFF2-40B4-BE49-F238E27FC236}">
+                <a16:creationId xmlns:a16="http://schemas.microsoft.com/office/drawing/2014/main" id="{AA600A56-4F55-DEEB-B16B-CB35FFF812D6}"/>
+              </a:ext>
+            </a:extLst>
+          </p:cNvPr>
+          <p:cNvSpPr>
+            <a:spLocks noGrp="1"/>
+          </p:cNvSpPr>
+          <p:nvPr>
+            <p:ph type="title"/>
+          </p:nvPr>
+        </p:nvSpPr>
+        <p:spPr/>
+        <p:txBody>
+          <a:bodyPr/>
+          <a:lstStyle/>
+          <a:p>
+            <a:r>
+              <a:rPr lang="en-US" altLang="ko-KR" dirty="0"/>
+              <a:t>Image</a:t>
+            </a:r>
+            <a:r>
+              <a:rPr lang="ko-KR" altLang="en-US" dirty="0"/>
+              <a:t> 렌더링</a:t>
+            </a:r>
+          </a:p>
+        </p:txBody>
+      </p:sp>
+      <p:sp>
+        <p:nvSpPr>
+          <p:cNvPr id="3" name="텍스트 개체 틀 2">
+            <a:extLst>
+              <a:ext uri="{FF2B5EF4-FFF2-40B4-BE49-F238E27FC236}">
+                <a16:creationId xmlns:a16="http://schemas.microsoft.com/office/drawing/2014/main" id="{82D4F4C5-3AE8-DBF7-9703-366A37A07B59}"/>
+              </a:ext>
+            </a:extLst>
+          </p:cNvPr>
+          <p:cNvSpPr>
+            <a:spLocks noGrp="1"/>
+          </p:cNvSpPr>
+          <p:nvPr>
+            <p:ph type="body" sz="half" idx="2"/>
+          </p:nvPr>
+        </p:nvSpPr>
+        <p:spPr>
+          <a:xfrm>
+            <a:off x="6810375" y="1645920"/>
+            <a:ext cx="4052697" cy="4480560"/>
+          </a:xfrm>
+        </p:spPr>
+        <p:txBody>
+          <a:bodyPr/>
+          <a:lstStyle/>
+          <a:p>
+            <a:pPr marL="342900" indent="-342900">
+              <a:buFont typeface="+mj-lt"/>
+              <a:buAutoNum type="arabicPeriod"/>
+            </a:pPr>
+            <a:r>
+              <a:rPr lang="ko-KR" altLang="en-US" dirty="0"/>
+              <a:t>최초에 </a:t>
+            </a:r>
+            <a:r>
+              <a:rPr lang="en-US" altLang="ko-KR" dirty="0" err="1"/>
+              <a:t>BeginPlay</a:t>
+            </a:r>
+            <a:r>
+              <a:rPr lang="ko-KR" altLang="en-US" dirty="0"/>
+              <a:t>에서 </a:t>
+            </a:r>
+            <a:r>
+              <a:rPr lang="en-US" altLang="ko-KR" dirty="0" err="1"/>
+              <a:t>FImGuiModule</a:t>
+            </a:r>
+            <a:r>
+              <a:rPr lang="ko-KR" altLang="en-US" dirty="0"/>
+              <a:t>의 </a:t>
+            </a:r>
+            <a:r>
+              <a:rPr lang="en-US" altLang="ko-KR" dirty="0" err="1"/>
+              <a:t>RegisterTexture</a:t>
+            </a:r>
+            <a:r>
+              <a:rPr lang="ko-KR" altLang="en-US" dirty="0"/>
+              <a:t>을 이용하여 </a:t>
+            </a:r>
+            <a:r>
+              <a:rPr lang="ko-KR" altLang="en-US" dirty="0" err="1"/>
+              <a:t>텍스쳐</a:t>
+            </a:r>
+            <a:r>
+              <a:rPr lang="ko-KR" altLang="en-US" dirty="0"/>
+              <a:t> 다수 저장</a:t>
+            </a:r>
+            <a:endParaRPr lang="en-US" altLang="ko-KR" dirty="0"/>
+          </a:p>
+          <a:p>
+            <a:pPr marL="342900" indent="-342900">
+              <a:buFont typeface="+mj-lt"/>
+              <a:buAutoNum type="arabicPeriod"/>
+            </a:pPr>
+            <a:endParaRPr lang="en-US" altLang="ko-KR" dirty="0"/>
+          </a:p>
+          <a:p>
+            <a:pPr marL="342900" indent="-342900">
+              <a:buFont typeface="+mj-lt"/>
+              <a:buAutoNum type="arabicPeriod"/>
+            </a:pPr>
+            <a:r>
+              <a:rPr lang="ko-KR" altLang="en-US" dirty="0" err="1"/>
+              <a:t>텍스쳐를</a:t>
+            </a:r>
+            <a:r>
+              <a:rPr lang="ko-KR" altLang="en-US" dirty="0"/>
+              <a:t> 랜덤으로 렌더링 하기 위한 랜덤 알고리즘 함수 임의로 작성</a:t>
+            </a:r>
+            <a:endParaRPr lang="en-US" altLang="ko-KR" dirty="0"/>
+          </a:p>
+          <a:p>
+            <a:pPr marL="342900" indent="-342900">
+              <a:buFont typeface="+mj-lt"/>
+              <a:buAutoNum type="arabicPeriod"/>
+            </a:pPr>
+            <a:endParaRPr lang="en-US" altLang="ko-KR" dirty="0"/>
+          </a:p>
+          <a:p>
+            <a:pPr marL="342900" indent="-342900">
+              <a:buFont typeface="+mj-lt"/>
+              <a:buAutoNum type="arabicPeriod"/>
+            </a:pPr>
+            <a:r>
+              <a:rPr lang="en-US" altLang="ko-KR" dirty="0"/>
+              <a:t>Tick</a:t>
+            </a:r>
+            <a:r>
+              <a:rPr lang="ko-KR" altLang="en-US" dirty="0"/>
+              <a:t>에서 이미지를 랜덤으로 호출하여 렌더링</a:t>
+            </a:r>
+            <a:endParaRPr lang="en-US" altLang="ko-KR" dirty="0"/>
+          </a:p>
+          <a:p>
+            <a:pPr marL="342900" indent="-342900">
+              <a:buFont typeface="+mj-lt"/>
+              <a:buAutoNum type="arabicPeriod"/>
+            </a:pPr>
+            <a:endParaRPr lang="en-US" altLang="ko-KR" dirty="0"/>
+          </a:p>
+          <a:p>
+            <a:pPr marL="342900" indent="-342900">
+              <a:buFont typeface="+mj-lt"/>
+              <a:buAutoNum type="arabicPeriod"/>
+            </a:pPr>
+            <a:endParaRPr lang="ko-KR" altLang="en-US" dirty="0"/>
+          </a:p>
+        </p:txBody>
+      </p:sp>
+      <p:pic>
+        <p:nvPicPr>
+          <p:cNvPr id="6" name="내용 개체 틀 5" descr="텍스트이(가) 표시된 사진&#10;&#10;자동 생성된 설명">
+            <a:extLst>
+              <a:ext uri="{FF2B5EF4-FFF2-40B4-BE49-F238E27FC236}">
+                <a16:creationId xmlns:a16="http://schemas.microsoft.com/office/drawing/2014/main" id="{C85D0AF1-F542-25BB-8EA3-3B8367FE41CB}"/>
+              </a:ext>
+            </a:extLst>
+          </p:cNvPr>
+          <p:cNvPicPr>
+            <a:picLocks noGrp="1" noChangeAspect="1"/>
+          </p:cNvPicPr>
+          <p:nvPr>
+            <p:ph sz="quarter" idx="13"/>
+          </p:nvPr>
+        </p:nvPicPr>
+        <p:blipFill>
+          <a:blip r:embed="rId2">
+            <a:extLst>
+              <a:ext uri="{28A0092B-C50C-407E-A947-70E740481C1C}">
+                <a14:useLocalDpi xmlns:a14="http://schemas.microsoft.com/office/drawing/2010/main" val="0"/>
+              </a:ext>
+            </a:extLst>
+          </a:blip>
+          <a:stretch>
+            <a:fillRect/>
+          </a:stretch>
+        </p:blipFill>
+        <p:spPr>
+          <a:xfrm>
+            <a:off x="609599" y="1519569"/>
+            <a:ext cx="4877481" cy="1314633"/>
+          </a:xfrm>
+        </p:spPr>
+      </p:pic>
+      <p:pic>
+        <p:nvPicPr>
+          <p:cNvPr id="8" name="그림 7">
+            <a:extLst>
+              <a:ext uri="{FF2B5EF4-FFF2-40B4-BE49-F238E27FC236}">
+                <a16:creationId xmlns:a16="http://schemas.microsoft.com/office/drawing/2014/main" id="{16DFDF3A-2FED-84E4-52F5-EE1250584DE0}"/>
+              </a:ext>
+            </a:extLst>
+          </p:cNvPr>
+          <p:cNvPicPr>
+            <a:picLocks noChangeAspect="1"/>
+          </p:cNvPicPr>
+          <p:nvPr/>
+        </p:nvPicPr>
+        <p:blipFill>
+          <a:blip r:embed="rId3"/>
+          <a:stretch>
+            <a:fillRect/>
+          </a:stretch>
+        </p:blipFill>
+        <p:spPr>
+          <a:xfrm>
+            <a:off x="609599" y="2919277"/>
+            <a:ext cx="4706007" cy="1933845"/>
+          </a:xfrm>
+          <a:prstGeom prst="rect">
+            <a:avLst/>
+          </a:prstGeom>
+        </p:spPr>
+      </p:pic>
+      <p:pic>
+        <p:nvPicPr>
+          <p:cNvPr id="10" name="그림 9">
+            <a:extLst>
+              <a:ext uri="{FF2B5EF4-FFF2-40B4-BE49-F238E27FC236}">
+                <a16:creationId xmlns:a16="http://schemas.microsoft.com/office/drawing/2014/main" id="{F90C6B14-F796-61A7-595E-0D04536BE9F3}"/>
+              </a:ext>
+            </a:extLst>
+          </p:cNvPr>
+          <p:cNvPicPr>
+            <a:picLocks noChangeAspect="1"/>
+          </p:cNvPicPr>
+          <p:nvPr/>
+        </p:nvPicPr>
+        <p:blipFill>
+          <a:blip r:embed="rId4"/>
+          <a:stretch>
+            <a:fillRect/>
+          </a:stretch>
+        </p:blipFill>
+        <p:spPr>
+          <a:xfrm>
+            <a:off x="609599" y="5047878"/>
+            <a:ext cx="6839905" cy="581106"/>
+          </a:xfrm>
+          <a:prstGeom prst="rect">
+            <a:avLst/>
+          </a:prstGeom>
+        </p:spPr>
+      </p:pic>
+    </p:spTree>
+    <p:extLst>
+      <p:ext uri="{BB962C8B-B14F-4D97-AF65-F5344CB8AC3E}">
+        <p14:creationId xmlns:p14="http://schemas.microsoft.com/office/powerpoint/2010/main" val="2012441863"/>
+      </p:ext>
+    </p:extLst>
+  </p:cSld>
+  <p:clrMapOvr>
+    <a:masterClrMapping/>
+  </p:clrMapOvr>
+</p:sld>
+</file>
+
+<file path=ppt/slides/slide11.xml><?xml version="1.0" encoding="utf-8"?>
+<p:sld xmlns:a="http://schemas.openxmlformats.org/drawingml/2006/main" xmlns:r="http://schemas.openxmlformats.org/officeDocument/2006/relationships" xmlns:p="http://schemas.openxmlformats.org/presentationml/2006/main">
+  <p:cSld>
+    <p:spTree>
+      <p:nvGrpSpPr>
+        <p:cNvPr id="1" name=""/>
+        <p:cNvGrpSpPr/>
+        <p:nvPr/>
+      </p:nvGrpSpPr>
+      <p:grpSpPr>
+        <a:xfrm>
+          <a:off x="0" y="0"/>
+          <a:ext cx="0" cy="0"/>
+          <a:chOff x="0" y="0"/>
+          <a:chExt cx="0" cy="0"/>
+        </a:xfrm>
+      </p:grpSpPr>
+      <p:sp>
+        <p:nvSpPr>
+          <p:cNvPr id="2" name="제목 1">
+            <a:extLst>
+              <a:ext uri="{FF2B5EF4-FFF2-40B4-BE49-F238E27FC236}">
+                <a16:creationId xmlns:a16="http://schemas.microsoft.com/office/drawing/2014/main" id="{AA600A56-4F55-DEEB-B16B-CB35FFF812D6}"/>
+              </a:ext>
+            </a:extLst>
+          </p:cNvPr>
+          <p:cNvSpPr>
+            <a:spLocks noGrp="1"/>
+          </p:cNvSpPr>
+          <p:nvPr>
+            <p:ph type="title"/>
+          </p:nvPr>
+        </p:nvSpPr>
+        <p:spPr/>
+        <p:txBody>
+          <a:bodyPr/>
+          <a:lstStyle/>
+          <a:p>
+            <a:r>
+              <a:rPr lang="en-US" altLang="ko-KR" dirty="0"/>
+              <a:t>Image</a:t>
+            </a:r>
+            <a:r>
+              <a:rPr lang="ko-KR" altLang="en-US" dirty="0"/>
+              <a:t> 렌더링</a:t>
+            </a:r>
+          </a:p>
+        </p:txBody>
+      </p:sp>
+      <p:sp>
+        <p:nvSpPr>
+          <p:cNvPr id="3" name="텍스트 개체 틀 2">
+            <a:extLst>
+              <a:ext uri="{FF2B5EF4-FFF2-40B4-BE49-F238E27FC236}">
+                <a16:creationId xmlns:a16="http://schemas.microsoft.com/office/drawing/2014/main" id="{82D4F4C5-3AE8-DBF7-9703-366A37A07B59}"/>
+              </a:ext>
+            </a:extLst>
+          </p:cNvPr>
+          <p:cNvSpPr>
+            <a:spLocks noGrp="1"/>
+          </p:cNvSpPr>
+          <p:nvPr>
+            <p:ph type="body" sz="half" idx="2"/>
+          </p:nvPr>
+        </p:nvSpPr>
+        <p:spPr>
+          <a:xfrm>
+            <a:off x="8124825" y="1645920"/>
+            <a:ext cx="2738247" cy="4480560"/>
+          </a:xfrm>
+        </p:spPr>
+        <p:txBody>
+          <a:bodyPr/>
+          <a:lstStyle/>
+          <a:p>
+            <a:r>
+              <a:rPr lang="ko-KR" altLang="en-US" dirty="0"/>
+              <a:t>이미지 버튼을 누를 때</a:t>
+            </a:r>
+            <a:r>
+              <a:rPr lang="en-US" altLang="ko-KR" dirty="0"/>
+              <a:t>, </a:t>
+            </a:r>
+            <a:r>
+              <a:rPr lang="ko-KR" altLang="en-US" dirty="0"/>
+              <a:t>저장되어 있는 이미지 </a:t>
+            </a:r>
+            <a:r>
+              <a:rPr lang="ko-KR" altLang="en-US" dirty="0" err="1"/>
+              <a:t>텍스쳐들</a:t>
+            </a:r>
+            <a:r>
+              <a:rPr lang="ko-KR" altLang="en-US" dirty="0"/>
+              <a:t> 중 랜덤으로 호출되어 표시</a:t>
+            </a:r>
+            <a:endParaRPr lang="en-US" altLang="ko-KR" dirty="0"/>
+          </a:p>
+          <a:p>
+            <a:pPr marL="342900" indent="-342900">
+              <a:buFont typeface="+mj-lt"/>
+              <a:buAutoNum type="arabicPeriod"/>
+            </a:pPr>
+            <a:endParaRPr lang="ko-KR" altLang="en-US" dirty="0"/>
+          </a:p>
+        </p:txBody>
+      </p:sp>
+      <p:pic>
+        <p:nvPicPr>
+          <p:cNvPr id="12" name="내용 개체 틀 11" descr="텍스트, 전자기기, 모니터, 디스플레이이(가) 표시된 사진&#10;&#10;자동 생성된 설명">
+            <a:extLst>
+              <a:ext uri="{FF2B5EF4-FFF2-40B4-BE49-F238E27FC236}">
+                <a16:creationId xmlns:a16="http://schemas.microsoft.com/office/drawing/2014/main" id="{8CEFC08A-02B3-2A3D-6E9E-4BF6952AB333}"/>
+              </a:ext>
+            </a:extLst>
+          </p:cNvPr>
+          <p:cNvPicPr>
+            <a:picLocks noGrp="1" noChangeAspect="1"/>
+          </p:cNvPicPr>
+          <p:nvPr>
+            <p:ph sz="quarter" idx="13"/>
+          </p:nvPr>
+        </p:nvPicPr>
+        <p:blipFill>
+          <a:blip r:embed="rId2">
+            <a:extLst>
+              <a:ext uri="{28A0092B-C50C-407E-A947-70E740481C1C}">
+                <a14:useLocalDpi xmlns:a14="http://schemas.microsoft.com/office/drawing/2010/main" val="0"/>
+              </a:ext>
+            </a:extLst>
+          </a:blip>
+          <a:stretch>
+            <a:fillRect/>
+          </a:stretch>
+        </p:blipFill>
+        <p:spPr>
+          <a:xfrm>
+            <a:off x="609600" y="2264967"/>
+            <a:ext cx="6395930" cy="3240000"/>
+          </a:xfrm>
+        </p:spPr>
+      </p:pic>
+      <p:pic>
+        <p:nvPicPr>
+          <p:cNvPr id="14" name="그림 13" descr="텍스트, 전자기기, 모니터, 실내이(가) 표시된 사진&#10;&#10;자동 생성된 설명">
+            <a:extLst>
+              <a:ext uri="{FF2B5EF4-FFF2-40B4-BE49-F238E27FC236}">
+                <a16:creationId xmlns:a16="http://schemas.microsoft.com/office/drawing/2014/main" id="{1159297A-602A-6891-B9D1-8A5A9366EBE3}"/>
+              </a:ext>
+            </a:extLst>
+          </p:cNvPr>
+          <p:cNvPicPr>
+            <a:picLocks noChangeAspect="1"/>
+          </p:cNvPicPr>
+          <p:nvPr/>
+        </p:nvPicPr>
+        <p:blipFill>
+          <a:blip r:embed="rId3">
+            <a:extLst>
+              <a:ext uri="{28A0092B-C50C-407E-A947-70E740481C1C}">
+                <a14:useLocalDpi xmlns:a14="http://schemas.microsoft.com/office/drawing/2010/main" val="0"/>
+              </a:ext>
+            </a:extLst>
+          </a:blip>
+          <a:stretch>
+            <a:fillRect/>
+          </a:stretch>
+        </p:blipFill>
+        <p:spPr>
+          <a:xfrm>
+            <a:off x="609599" y="2264967"/>
+            <a:ext cx="6803999" cy="3240000"/>
+          </a:xfrm>
+          <a:prstGeom prst="rect">
+            <a:avLst/>
+          </a:prstGeom>
+        </p:spPr>
+      </p:pic>
+      <p:pic>
+        <p:nvPicPr>
+          <p:cNvPr id="16" name="그림 15" descr="텍스트, 전자기기, 모니터, 실내이(가) 표시된 사진&#10;&#10;자동 생성된 설명">
+            <a:extLst>
+              <a:ext uri="{FF2B5EF4-FFF2-40B4-BE49-F238E27FC236}">
+                <a16:creationId xmlns:a16="http://schemas.microsoft.com/office/drawing/2014/main" id="{D110CB59-AD39-841A-5293-736C51F80330}"/>
+              </a:ext>
+            </a:extLst>
+          </p:cNvPr>
+          <p:cNvPicPr>
+            <a:picLocks noChangeAspect="1"/>
+          </p:cNvPicPr>
+          <p:nvPr/>
+        </p:nvPicPr>
+        <p:blipFill>
+          <a:blip r:embed="rId4">
+            <a:extLst>
+              <a:ext uri="{28A0092B-C50C-407E-A947-70E740481C1C}">
+                <a14:useLocalDpi xmlns:a14="http://schemas.microsoft.com/office/drawing/2010/main" val="0"/>
+              </a:ext>
+            </a:extLst>
+          </a:blip>
+          <a:stretch>
+            <a:fillRect/>
+          </a:stretch>
+        </p:blipFill>
+        <p:spPr>
+          <a:xfrm>
+            <a:off x="621100" y="2264967"/>
+            <a:ext cx="6740043" cy="3240000"/>
+          </a:xfrm>
+          <a:prstGeom prst="rect">
+            <a:avLst/>
+          </a:prstGeom>
+        </p:spPr>
+      </p:pic>
+    </p:spTree>
+    <p:extLst>
+      <p:ext uri="{BB962C8B-B14F-4D97-AF65-F5344CB8AC3E}">
+        <p14:creationId xmlns:p14="http://schemas.microsoft.com/office/powerpoint/2010/main" val="251955460"/>
+      </p:ext>
+    </p:extLst>
+  </p:cSld>
+  <p:clrMapOvr>
+    <a:masterClrMapping/>
+  </p:clrMapOvr>
+  <p:timing>
+    <p:tnLst>
+      <p:par>
+        <p:cTn id="1" dur="indefinite" restart="never" nodeType="tmRoot">
+          <p:childTnLst>
+            <p:seq concurrent="1" nextAc="seek">
+              <p:cTn id="2" dur="indefinite" nodeType="mainSeq">
+                <p:childTnLst>
+                  <p:par>
+                    <p:cTn id="3" fill="hold">
+                      <p:stCondLst>
+                        <p:cond delay="indefinite"/>
+                      </p:stCondLst>
+                      <p:childTnLst>
+                        <p:par>
+                          <p:cTn id="4" fill="hold">
+                            <p:stCondLst>
+                              <p:cond delay="0"/>
+                            </p:stCondLst>
+                            <p:childTnLst>
+                              <p:par>
+                                <p:cTn id="5" presetID="10" presetClass="entr" presetSubtype="0" fill="hold" nodeType="clickEffect">
+                                  <p:stCondLst>
+                                    <p:cond delay="0"/>
+                                  </p:stCondLst>
+                                  <p:childTnLst>
+                                    <p:set>
+                                      <p:cBhvr>
+                                        <p:cTn id="6" dur="1" fill="hold">
+                                          <p:stCondLst>
+                                            <p:cond delay="0"/>
+                                          </p:stCondLst>
+                                        </p:cTn>
+                                        <p:tgtEl>
+                                          <p:spTgt spid="12"/>
+                                        </p:tgtEl>
+                                        <p:attrNameLst>
+                                          <p:attrName>style.visibility</p:attrName>
+                                        </p:attrNameLst>
+                                      </p:cBhvr>
+                                      <p:to>
+                                        <p:strVal val="visible"/>
+                                      </p:to>
+                                    </p:set>
+                                    <p:animEffect transition="in" filter="fade">
+                                      <p:cBhvr>
+                                        <p:cTn id="7" dur="500"/>
+                                        <p:tgtEl>
+                                          <p:spTgt spid="12"/>
+                                        </p:tgtEl>
+                                      </p:cBhvr>
+                                    </p:animEffect>
+                                  </p:childTnLst>
+                                </p:cTn>
+                              </p:par>
+                            </p:childTnLst>
+                          </p:cTn>
+                        </p:par>
+                      </p:childTnLst>
+                    </p:cTn>
+                  </p:par>
+                  <p:par>
+                    <p:cTn id="8" fill="hold">
+                      <p:stCondLst>
+                        <p:cond delay="indefinite"/>
+                      </p:stCondLst>
+                      <p:childTnLst>
+                        <p:par>
+                          <p:cTn id="9" fill="hold">
+                            <p:stCondLst>
+                              <p:cond delay="0"/>
+                            </p:stCondLst>
+                            <p:childTnLst>
+                              <p:par>
+                                <p:cTn id="10" presetID="10" presetClass="entr" presetSubtype="0" fill="hold" nodeType="clickEffect">
+                                  <p:stCondLst>
+                                    <p:cond delay="0"/>
+                                  </p:stCondLst>
+                                  <p:childTnLst>
+                                    <p:set>
+                                      <p:cBhvr>
+                                        <p:cTn id="11" dur="1" fill="hold">
+                                          <p:stCondLst>
+                                            <p:cond delay="0"/>
+                                          </p:stCondLst>
+                                        </p:cTn>
+                                        <p:tgtEl>
+                                          <p:spTgt spid="14"/>
+                                        </p:tgtEl>
+                                        <p:attrNameLst>
+                                          <p:attrName>style.visibility</p:attrName>
+                                        </p:attrNameLst>
+                                      </p:cBhvr>
+                                      <p:to>
+                                        <p:strVal val="visible"/>
+                                      </p:to>
+                                    </p:set>
+                                    <p:animEffect transition="in" filter="fade">
+                                      <p:cBhvr>
+                                        <p:cTn id="12" dur="500"/>
+                                        <p:tgtEl>
+                                          <p:spTgt spid="14"/>
+                                        </p:tgtEl>
+                                      </p:cBhvr>
+                                    </p:animEffect>
+                                  </p:childTnLst>
+                                </p:cTn>
+                              </p:par>
+                            </p:childTnLst>
+                          </p:cTn>
+                        </p:par>
+                      </p:childTnLst>
+                    </p:cTn>
+                  </p:par>
+                  <p:par>
+                    <p:cTn id="13" fill="hold">
+                      <p:stCondLst>
+                        <p:cond delay="indefinite"/>
+                      </p:stCondLst>
+                      <p:childTnLst>
+                        <p:par>
+                          <p:cTn id="14" fill="hold">
+                            <p:stCondLst>
+                              <p:cond delay="0"/>
+                            </p:stCondLst>
+                            <p:childTnLst>
+                              <p:par>
+                                <p:cTn id="15" presetID="10" presetClass="entr" presetSubtype="0" fill="hold" nodeType="clickEffect">
+                                  <p:stCondLst>
+                                    <p:cond delay="0"/>
+                                  </p:stCondLst>
+                                  <p:childTnLst>
+                                    <p:set>
+                                      <p:cBhvr>
+                                        <p:cTn id="16" dur="1" fill="hold">
+                                          <p:stCondLst>
+                                            <p:cond delay="0"/>
+                                          </p:stCondLst>
+                                        </p:cTn>
+                                        <p:tgtEl>
+                                          <p:spTgt spid="16"/>
+                                        </p:tgtEl>
+                                        <p:attrNameLst>
+                                          <p:attrName>style.visibility</p:attrName>
+                                        </p:attrNameLst>
+                                      </p:cBhvr>
+                                      <p:to>
+                                        <p:strVal val="visible"/>
+                                      </p:to>
+                                    </p:set>
+                                    <p:animEffect transition="in" filter="fade">
+                                      <p:cBhvr>
+                                        <p:cTn id="17" dur="500"/>
+                                        <p:tgtEl>
+                                          <p:spTgt spid="16"/>
+                                        </p:tgtEl>
+                                      </p:cBhvr>
+                                    </p:animEffect>
+                                  </p:childTnLst>
+                                </p:cTn>
+                              </p:par>
+                            </p:childTnLst>
+                          </p:cTn>
+                        </p:par>
+                      </p:childTnLst>
+                    </p:cTn>
+                  </p:par>
+                </p:childTnLst>
+              </p:cTn>
+              <p:prevCondLst>
+                <p:cond evt="onPrev" delay="0">
+                  <p:tgtEl>
+                    <p:sldTgt/>
+                  </p:tgtEl>
+                </p:cond>
+              </p:prevCondLst>
+              <p:nextCondLst>
+                <p:cond evt="onNext" delay="0">
+                  <p:tgtEl>
+                    <p:sldTgt/>
+                  </p:tgtEl>
+                </p:cond>
+              </p:nextCondLst>
+            </p:seq>
+          </p:childTnLst>
+        </p:cTn>
+      </p:par>
+    </p:tnLst>
+  </p:timing>
+</p:sld>
+</file>
+
+<file path=ppt/slides/slide12.xml><?xml version="1.0" encoding="utf-8"?>
+<p:sld xmlns:a="http://schemas.openxmlformats.org/drawingml/2006/main" xmlns:r="http://schemas.openxmlformats.org/officeDocument/2006/relationships" xmlns:p="http://schemas.openxmlformats.org/presentationml/2006/main">
+  <p:cSld>
+    <p:spTree>
+      <p:nvGrpSpPr>
+        <p:cNvPr id="1" name=""/>
+        <p:cNvGrpSpPr/>
+        <p:nvPr/>
+      </p:nvGrpSpPr>
+      <p:grpSpPr>
+        <a:xfrm>
+          <a:off x="0" y="0"/>
+          <a:ext cx="0" cy="0"/>
+          <a:chOff x="0" y="0"/>
+          <a:chExt cx="0" cy="0"/>
+        </a:xfrm>
+      </p:grpSpPr>
+      <p:sp>
+        <p:nvSpPr>
+          <p:cNvPr id="2" name="제목 1">
+            <a:extLst>
+              <a:ext uri="{FF2B5EF4-FFF2-40B4-BE49-F238E27FC236}">
+                <a16:creationId xmlns:a16="http://schemas.microsoft.com/office/drawing/2014/main" id="{C6A09D96-9E04-BFB2-4587-D1E950874E15}"/>
+              </a:ext>
+            </a:extLst>
+          </p:cNvPr>
+          <p:cNvSpPr>
+            <a:spLocks noGrp="1"/>
+          </p:cNvSpPr>
+          <p:nvPr>
+            <p:ph type="title"/>
+          </p:nvPr>
+        </p:nvSpPr>
+        <p:spPr/>
+        <p:txBody>
+          <a:bodyPr/>
+          <a:lstStyle/>
+          <a:p>
+            <a:r>
+              <a:rPr lang="en-US" altLang="ko-KR" dirty="0"/>
+              <a:t>Scrolling Bar</a:t>
+            </a:r>
+            <a:endParaRPr lang="ko-KR" altLang="en-US" dirty="0"/>
+          </a:p>
+        </p:txBody>
+      </p:sp>
+      <p:sp>
+        <p:nvSpPr>
+          <p:cNvPr id="3" name="텍스트 개체 틀 2">
+            <a:extLst>
+              <a:ext uri="{FF2B5EF4-FFF2-40B4-BE49-F238E27FC236}">
+                <a16:creationId xmlns:a16="http://schemas.microsoft.com/office/drawing/2014/main" id="{4BA5600B-AF2E-6F63-9E02-61193B077BF2}"/>
+              </a:ext>
+            </a:extLst>
+          </p:cNvPr>
+          <p:cNvSpPr>
+            <a:spLocks noGrp="1"/>
+          </p:cNvSpPr>
+          <p:nvPr>
+            <p:ph type="body" sz="half" idx="2"/>
+          </p:nvPr>
+        </p:nvSpPr>
+        <p:spPr/>
+        <p:txBody>
+          <a:bodyPr/>
+          <a:lstStyle/>
+          <a:p>
+            <a:r>
+              <a:rPr lang="en-US" altLang="ko-KR" dirty="0"/>
+              <a:t>Child </a:t>
+            </a:r>
+            <a:r>
+              <a:rPr lang="ko-KR" altLang="en-US" dirty="0"/>
+              <a:t>윈도우를 생성해서 구현</a:t>
+            </a:r>
+            <a:endParaRPr lang="en-US" altLang="ko-KR" dirty="0"/>
+          </a:p>
+          <a:p>
+            <a:endParaRPr lang="en-US" altLang="ko-KR" dirty="0"/>
+          </a:p>
+          <a:p>
+            <a:r>
+              <a:rPr lang="en-US" altLang="ko-KR" dirty="0" err="1"/>
+              <a:t>BeginChild</a:t>
+            </a:r>
+            <a:r>
+              <a:rPr lang="ko-KR" altLang="en-US" dirty="0"/>
+              <a:t>를 실행하고 실행되는 동안 표시할 항목을 표시</a:t>
+            </a:r>
+          </a:p>
+        </p:txBody>
+      </p:sp>
+      <p:pic>
+        <p:nvPicPr>
+          <p:cNvPr id="8" name="내용 개체 틀 7" descr="텍스트, 모니터, 전자기기, 컴퓨터이(가) 표시된 사진&#10;&#10;자동 생성된 설명">
+            <a:extLst>
+              <a:ext uri="{FF2B5EF4-FFF2-40B4-BE49-F238E27FC236}">
+                <a16:creationId xmlns:a16="http://schemas.microsoft.com/office/drawing/2014/main" id="{2224C5B2-63F7-4BD4-C407-97D0ECE356F7}"/>
+              </a:ext>
+            </a:extLst>
+          </p:cNvPr>
+          <p:cNvPicPr>
+            <a:picLocks noGrp="1" noChangeAspect="1"/>
+          </p:cNvPicPr>
+          <p:nvPr>
+            <p:ph sz="quarter" idx="13"/>
+          </p:nvPr>
+        </p:nvPicPr>
+        <p:blipFill>
+          <a:blip r:embed="rId2">
+            <a:extLst>
+              <a:ext uri="{28A0092B-C50C-407E-A947-70E740481C1C}">
+                <a14:useLocalDpi xmlns:a14="http://schemas.microsoft.com/office/drawing/2010/main" val="0"/>
+              </a:ext>
+            </a:extLst>
+          </a:blip>
+          <a:stretch>
+            <a:fillRect/>
+          </a:stretch>
+        </p:blipFill>
+        <p:spPr>
+          <a:xfrm>
+            <a:off x="609599" y="1714197"/>
+            <a:ext cx="2248214" cy="4344006"/>
+          </a:xfrm>
+        </p:spPr>
+      </p:pic>
+      <p:pic>
+        <p:nvPicPr>
+          <p:cNvPr id="10" name="그림 9" descr="텍스트이(가) 표시된 사진&#10;&#10;자동 생성된 설명">
+            <a:extLst>
+              <a:ext uri="{FF2B5EF4-FFF2-40B4-BE49-F238E27FC236}">
+                <a16:creationId xmlns:a16="http://schemas.microsoft.com/office/drawing/2014/main" id="{E0DAAE56-E131-FCDE-E275-B36CE1F4CD1D}"/>
+              </a:ext>
+            </a:extLst>
+          </p:cNvPr>
+          <p:cNvPicPr>
+            <a:picLocks noChangeAspect="1"/>
+          </p:cNvPicPr>
+          <p:nvPr/>
+        </p:nvPicPr>
+        <p:blipFill>
+          <a:blip r:embed="rId3">
+            <a:extLst>
+              <a:ext uri="{28A0092B-C50C-407E-A947-70E740481C1C}">
+                <a14:useLocalDpi xmlns:a14="http://schemas.microsoft.com/office/drawing/2010/main" val="0"/>
+              </a:ext>
+            </a:extLst>
+          </a:blip>
+          <a:stretch>
+            <a:fillRect/>
+          </a:stretch>
+        </p:blipFill>
+        <p:spPr>
+          <a:xfrm>
+            <a:off x="3052230" y="3719869"/>
+            <a:ext cx="6548970" cy="2338334"/>
+          </a:xfrm>
+          <a:prstGeom prst="rect">
+            <a:avLst/>
+          </a:prstGeom>
+        </p:spPr>
+      </p:pic>
+    </p:spTree>
+    <p:extLst>
+      <p:ext uri="{BB962C8B-B14F-4D97-AF65-F5344CB8AC3E}">
+        <p14:creationId xmlns:p14="http://schemas.microsoft.com/office/powerpoint/2010/main" val="3477864508"/>
+      </p:ext>
+    </p:extLst>
+  </p:cSld>
+  <p:clrMapOvr>
+    <a:masterClrMapping/>
+  </p:clrMapOvr>
+</p:sld>
+</file>
+
+<file path=ppt/slides/slide13.xml><?xml version="1.0" encoding="utf-8"?>
+<p:sld xmlns:a="http://schemas.openxmlformats.org/drawingml/2006/main" xmlns:r="http://schemas.openxmlformats.org/officeDocument/2006/relationships" xmlns:p="http://schemas.openxmlformats.org/presentationml/2006/main">
+  <p:cSld>
+    <p:spTree>
+      <p:nvGrpSpPr>
+        <p:cNvPr id="1" name=""/>
+        <p:cNvGrpSpPr/>
+        <p:nvPr/>
+      </p:nvGrpSpPr>
+      <p:grpSpPr>
+        <a:xfrm>
+          <a:off x="0" y="0"/>
+          <a:ext cx="0" cy="0"/>
+          <a:chOff x="0" y="0"/>
+          <a:chExt cx="0" cy="0"/>
+        </a:xfrm>
+      </p:grpSpPr>
+      <p:sp>
+        <p:nvSpPr>
+          <p:cNvPr id="5" name="TextBox 4">
+            <a:extLst>
+              <a:ext uri="{FF2B5EF4-FFF2-40B4-BE49-F238E27FC236}">
+                <a16:creationId xmlns:a16="http://schemas.microsoft.com/office/drawing/2014/main" id="{B4F7FECA-D29F-4866-5811-97220AB4854D}"/>
+              </a:ext>
+            </a:extLst>
+          </p:cNvPr>
+          <p:cNvSpPr txBox="1"/>
+          <p:nvPr/>
+        </p:nvSpPr>
+        <p:spPr>
+          <a:xfrm>
+            <a:off x="3579090" y="2844224"/>
+            <a:ext cx="5033819" cy="1169551"/>
+          </a:xfrm>
+          <a:prstGeom prst="rect">
+            <a:avLst/>
+          </a:prstGeom>
+          <a:noFill/>
+        </p:spPr>
+        <p:txBody>
+          <a:bodyPr wrap="square" rtlCol="0">
+            <a:spAutoFit/>
+          </a:bodyPr>
+          <a:lstStyle/>
+          <a:p>
+            <a:pPr algn="ctr"/>
+            <a:r>
+              <a:rPr lang="en-US" altLang="ko-KR" sz="7000" dirty="0">
+                <a:solidFill>
+                  <a:srgbClr val="27AFD9"/>
+                </a:solidFill>
+                <a:latin typeface="Algerian" panose="04020705040A02060702" pitchFamily="82" charset="0"/>
+              </a:rPr>
+              <a:t>THANK YOU</a:t>
+            </a:r>
+            <a:endParaRPr lang="ko-KR" altLang="en-US" sz="7000" dirty="0">
+              <a:solidFill>
+                <a:srgbClr val="27AFD9"/>
+              </a:solidFill>
+              <a:latin typeface="Algerian" panose="04020705040A02060702" pitchFamily="82" charset="0"/>
+            </a:endParaRPr>
+          </a:p>
+        </p:txBody>
+      </p:sp>
+    </p:spTree>
+    <p:extLst>
+      <p:ext uri="{BB962C8B-B14F-4D97-AF65-F5344CB8AC3E}">
+        <p14:creationId xmlns:p14="http://schemas.microsoft.com/office/powerpoint/2010/main" val="4033662353"/>
       </p:ext>
     </p:extLst>
   </p:cSld>
@@ -6425,10 +7394,1334 @@
           </a:p>
         </p:txBody>
       </p:sp>
+      <p:sp>
+        <p:nvSpPr>
+          <p:cNvPr id="4" name="텍스트 개체 틀 3">
+            <a:extLst>
+              <a:ext uri="{FF2B5EF4-FFF2-40B4-BE49-F238E27FC236}">
+                <a16:creationId xmlns:a16="http://schemas.microsoft.com/office/drawing/2014/main" id="{0D91AEB5-87B7-DCDB-F06D-9813B3C71D5F}"/>
+              </a:ext>
+            </a:extLst>
+          </p:cNvPr>
+          <p:cNvSpPr>
+            <a:spLocks noGrp="1"/>
+          </p:cNvSpPr>
+          <p:nvPr>
+            <p:ph type="body" sz="half" idx="2"/>
+          </p:nvPr>
+        </p:nvSpPr>
+        <p:spPr>
+          <a:xfrm>
+            <a:off x="432320" y="3730372"/>
+            <a:ext cx="5352660" cy="1082353"/>
+          </a:xfrm>
+        </p:spPr>
+        <p:txBody>
+          <a:bodyPr/>
+          <a:lstStyle/>
+          <a:p>
+            <a:r>
+              <a:rPr lang="ko-KR" altLang="en-US" dirty="0"/>
+              <a:t>플러그인 자동으로 설치</a:t>
+            </a:r>
+            <a:endParaRPr lang="en-US" altLang="ko-KR" dirty="0"/>
+          </a:p>
+          <a:p>
+            <a:r>
+              <a:rPr lang="ko-KR" altLang="en-US" dirty="0"/>
+              <a:t>프로젝트 세팅 →</a:t>
+            </a:r>
+            <a:r>
+              <a:rPr lang="en-US" altLang="ko-KR" dirty="0"/>
+              <a:t> </a:t>
+            </a:r>
+            <a:r>
+              <a:rPr lang="ko-KR" altLang="en-US" dirty="0"/>
+              <a:t>플러그인 → </a:t>
+            </a:r>
+            <a:r>
+              <a:rPr lang="en-US" altLang="ko-KR" dirty="0" err="1"/>
+              <a:t>ImGui</a:t>
+            </a:r>
+            <a:r>
+              <a:rPr lang="en-US" altLang="ko-KR" dirty="0"/>
+              <a:t> </a:t>
+            </a:r>
+            <a:r>
+              <a:rPr lang="ko-KR" altLang="en-US" dirty="0"/>
+              <a:t>자동 추가</a:t>
+            </a:r>
+          </a:p>
+        </p:txBody>
+      </p:sp>
+      <p:pic>
+        <p:nvPicPr>
+          <p:cNvPr id="7" name="내용 개체 틀 6" descr="텍스트, 스크린샷, 모니터이(가) 표시된 사진&#10;&#10;자동 생성된 설명">
+            <a:extLst>
+              <a:ext uri="{FF2B5EF4-FFF2-40B4-BE49-F238E27FC236}">
+                <a16:creationId xmlns:a16="http://schemas.microsoft.com/office/drawing/2014/main" id="{27506FE6-EC84-D893-D9E3-7AF4238F2A83}"/>
+              </a:ext>
+            </a:extLst>
+          </p:cNvPr>
+          <p:cNvPicPr>
+            <a:picLocks noGrp="1" noChangeAspect="1"/>
+          </p:cNvPicPr>
+          <p:nvPr>
+            <p:ph sz="quarter" idx="13"/>
+          </p:nvPr>
+        </p:nvPicPr>
+        <p:blipFill>
+          <a:blip r:embed="rId2">
+            <a:extLst>
+              <a:ext uri="{28A0092B-C50C-407E-A947-70E740481C1C}">
+                <a14:useLocalDpi xmlns:a14="http://schemas.microsoft.com/office/drawing/2010/main" val="0"/>
+              </a:ext>
+            </a:extLst>
+          </a:blip>
+          <a:stretch>
+            <a:fillRect/>
+          </a:stretch>
+        </p:blipFill>
+        <p:spPr>
+          <a:xfrm>
+            <a:off x="322476" y="1640325"/>
+            <a:ext cx="5352661" cy="2035748"/>
+          </a:xfrm>
+        </p:spPr>
+      </p:pic>
+      <p:pic>
+        <p:nvPicPr>
+          <p:cNvPr id="11" name="그림 10" descr="텍스트, 스크린샷, 모니터, 화면이(가) 표시된 사진&#10;&#10;자동 생성된 설명">
+            <a:extLst>
+              <a:ext uri="{FF2B5EF4-FFF2-40B4-BE49-F238E27FC236}">
+                <a16:creationId xmlns:a16="http://schemas.microsoft.com/office/drawing/2014/main" id="{A0F2DF4F-4694-12CC-A8E0-5116CF74620F}"/>
+              </a:ext>
+            </a:extLst>
+          </p:cNvPr>
+          <p:cNvPicPr>
+            <a:picLocks noChangeAspect="1"/>
+          </p:cNvPicPr>
+          <p:nvPr/>
+        </p:nvPicPr>
+        <p:blipFill>
+          <a:blip r:embed="rId3">
+            <a:extLst>
+              <a:ext uri="{28A0092B-C50C-407E-A947-70E740481C1C}">
+                <a14:useLocalDpi xmlns:a14="http://schemas.microsoft.com/office/drawing/2010/main" val="0"/>
+              </a:ext>
+            </a:extLst>
+          </a:blip>
+          <a:stretch>
+            <a:fillRect/>
+          </a:stretch>
+        </p:blipFill>
+        <p:spPr>
+          <a:xfrm>
+            <a:off x="4512022" y="1640325"/>
+            <a:ext cx="7357502" cy="5212079"/>
+          </a:xfrm>
+          <a:prstGeom prst="rect">
+            <a:avLst/>
+          </a:prstGeom>
+        </p:spPr>
+      </p:pic>
     </p:spTree>
     <p:extLst>
       <p:ext uri="{BB962C8B-B14F-4D97-AF65-F5344CB8AC3E}">
         <p14:creationId xmlns:p14="http://schemas.microsoft.com/office/powerpoint/2010/main" val="2989323642"/>
+      </p:ext>
+    </p:extLst>
+  </p:cSld>
+  <p:clrMapOvr>
+    <a:masterClrMapping/>
+  </p:clrMapOvr>
+  <p:timing>
+    <p:tnLst>
+      <p:par>
+        <p:cTn id="1" dur="indefinite" restart="never" nodeType="tmRoot">
+          <p:childTnLst>
+            <p:seq concurrent="1" nextAc="seek">
+              <p:cTn id="2" dur="indefinite" nodeType="mainSeq">
+                <p:childTnLst>
+                  <p:par>
+                    <p:cTn id="3" fill="hold">
+                      <p:stCondLst>
+                        <p:cond delay="indefinite"/>
+                      </p:stCondLst>
+                      <p:childTnLst>
+                        <p:par>
+                          <p:cTn id="4" fill="hold">
+                            <p:stCondLst>
+                              <p:cond delay="0"/>
+                            </p:stCondLst>
+                            <p:childTnLst>
+                              <p:par>
+                                <p:cTn id="5" presetID="42" presetClass="entr" presetSubtype="0" fill="hold" nodeType="clickEffect">
+                                  <p:stCondLst>
+                                    <p:cond delay="0"/>
+                                  </p:stCondLst>
+                                  <p:childTnLst>
+                                    <p:set>
+                                      <p:cBhvr>
+                                        <p:cTn id="6" dur="1" fill="hold">
+                                          <p:stCondLst>
+                                            <p:cond delay="0"/>
+                                          </p:stCondLst>
+                                        </p:cTn>
+                                        <p:tgtEl>
+                                          <p:spTgt spid="11"/>
+                                        </p:tgtEl>
+                                        <p:attrNameLst>
+                                          <p:attrName>style.visibility</p:attrName>
+                                        </p:attrNameLst>
+                                      </p:cBhvr>
+                                      <p:to>
+                                        <p:strVal val="visible"/>
+                                      </p:to>
+                                    </p:set>
+                                    <p:animEffect transition="in" filter="fade">
+                                      <p:cBhvr>
+                                        <p:cTn id="7" dur="1000"/>
+                                        <p:tgtEl>
+                                          <p:spTgt spid="11"/>
+                                        </p:tgtEl>
+                                      </p:cBhvr>
+                                    </p:animEffect>
+                                    <p:anim calcmode="lin" valueType="num">
+                                      <p:cBhvr>
+                                        <p:cTn id="8" dur="1000" fill="hold"/>
+                                        <p:tgtEl>
+                                          <p:spTgt spid="11"/>
+                                        </p:tgtEl>
+                                        <p:attrNameLst>
+                                          <p:attrName>ppt_x</p:attrName>
+                                        </p:attrNameLst>
+                                      </p:cBhvr>
+                                      <p:tavLst>
+                                        <p:tav tm="0">
+                                          <p:val>
+                                            <p:strVal val="#ppt_x"/>
+                                          </p:val>
+                                        </p:tav>
+                                        <p:tav tm="100000">
+                                          <p:val>
+                                            <p:strVal val="#ppt_x"/>
+                                          </p:val>
+                                        </p:tav>
+                                      </p:tavLst>
+                                    </p:anim>
+                                    <p:anim calcmode="lin" valueType="num">
+                                      <p:cBhvr>
+                                        <p:cTn id="9" dur="1000" fill="hold"/>
+                                        <p:tgtEl>
+                                          <p:spTgt spid="11"/>
+                                        </p:tgtEl>
+                                        <p:attrNameLst>
+                                          <p:attrName>ppt_y</p:attrName>
+                                        </p:attrNameLst>
+                                      </p:cBhvr>
+                                      <p:tavLst>
+                                        <p:tav tm="0">
+                                          <p:val>
+                                            <p:strVal val="#ppt_y+.1"/>
+                                          </p:val>
+                                        </p:tav>
+                                        <p:tav tm="100000">
+                                          <p:val>
+                                            <p:strVal val="#ppt_y"/>
+                                          </p:val>
+                                        </p:tav>
+                                      </p:tavLst>
+                                    </p:anim>
+                                  </p:childTnLst>
+                                </p:cTn>
+                              </p:par>
+                            </p:childTnLst>
+                          </p:cTn>
+                        </p:par>
+                      </p:childTnLst>
+                    </p:cTn>
+                  </p:par>
+                </p:childTnLst>
+              </p:cTn>
+              <p:prevCondLst>
+                <p:cond evt="onPrev" delay="0">
+                  <p:tgtEl>
+                    <p:sldTgt/>
+                  </p:tgtEl>
+                </p:cond>
+              </p:prevCondLst>
+              <p:nextCondLst>
+                <p:cond evt="onNext" delay="0">
+                  <p:tgtEl>
+                    <p:sldTgt/>
+                  </p:tgtEl>
+                </p:cond>
+              </p:nextCondLst>
+            </p:seq>
+          </p:childTnLst>
+        </p:cTn>
+      </p:par>
+    </p:tnLst>
+  </p:timing>
+</p:sld>
+</file>
+
+<file path=ppt/slides/slide6.xml><?xml version="1.0" encoding="utf-8"?>
+<p:sld xmlns:a="http://schemas.openxmlformats.org/drawingml/2006/main" xmlns:r="http://schemas.openxmlformats.org/officeDocument/2006/relationships" xmlns:p="http://schemas.openxmlformats.org/presentationml/2006/main">
+  <p:cSld>
+    <p:spTree>
+      <p:nvGrpSpPr>
+        <p:cNvPr id="1" name=""/>
+        <p:cNvGrpSpPr/>
+        <p:nvPr/>
+      </p:nvGrpSpPr>
+      <p:grpSpPr>
+        <a:xfrm>
+          <a:off x="0" y="0"/>
+          <a:ext cx="0" cy="0"/>
+          <a:chOff x="0" y="0"/>
+          <a:chExt cx="0" cy="0"/>
+        </a:xfrm>
+      </p:grpSpPr>
+      <p:sp>
+        <p:nvSpPr>
+          <p:cNvPr id="2" name="제목 1">
+            <a:extLst>
+              <a:ext uri="{FF2B5EF4-FFF2-40B4-BE49-F238E27FC236}">
+                <a16:creationId xmlns:a16="http://schemas.microsoft.com/office/drawing/2014/main" id="{05B729A4-B4FD-9FCF-E3AA-717692B46CA6}"/>
+              </a:ext>
+            </a:extLst>
+          </p:cNvPr>
+          <p:cNvSpPr>
+            <a:spLocks noGrp="1"/>
+          </p:cNvSpPr>
+          <p:nvPr>
+            <p:ph type="title"/>
+          </p:nvPr>
+        </p:nvSpPr>
+        <p:spPr/>
+        <p:txBody>
+          <a:bodyPr/>
+          <a:lstStyle/>
+          <a:p>
+            <a:r>
+              <a:rPr lang="en-US" altLang="ko-KR" dirty="0" err="1"/>
+              <a:t>ImGui</a:t>
+            </a:r>
+            <a:r>
+              <a:rPr lang="ko-KR" altLang="en-US" dirty="0"/>
+              <a:t> </a:t>
+            </a:r>
+            <a:r>
+              <a:rPr lang="en-US" altLang="ko-KR" dirty="0"/>
+              <a:t>Demo</a:t>
+            </a:r>
+            <a:endParaRPr lang="ko-KR" altLang="en-US" dirty="0"/>
+          </a:p>
+        </p:txBody>
+      </p:sp>
+      <p:sp>
+        <p:nvSpPr>
+          <p:cNvPr id="3" name="텍스트 개체 틀 2">
+            <a:extLst>
+              <a:ext uri="{FF2B5EF4-FFF2-40B4-BE49-F238E27FC236}">
+                <a16:creationId xmlns:a16="http://schemas.microsoft.com/office/drawing/2014/main" id="{10B00D48-5F19-2D57-4E5E-5DB5D817C4AC}"/>
+              </a:ext>
+            </a:extLst>
+          </p:cNvPr>
+          <p:cNvSpPr>
+            <a:spLocks noGrp="1"/>
+          </p:cNvSpPr>
+          <p:nvPr>
+            <p:ph type="body" sz="half" idx="2"/>
+          </p:nvPr>
+        </p:nvSpPr>
+        <p:spPr/>
+        <p:txBody>
+          <a:bodyPr/>
+          <a:lstStyle/>
+          <a:p>
+            <a:pPr marL="285750" indent="-285750">
+              <a:buFont typeface="Arial" panose="020B0604020202020204" pitchFamily="34" charset="0"/>
+              <a:buChar char="•"/>
+            </a:pPr>
+            <a:r>
+              <a:rPr lang="en-US" altLang="ko-KR" dirty="0" err="1"/>
+              <a:t>ImGui</a:t>
+            </a:r>
+            <a:r>
+              <a:rPr lang="en-US" altLang="ko-KR" dirty="0"/>
+              <a:t> </a:t>
+            </a:r>
+            <a:r>
+              <a:rPr lang="ko-KR" altLang="en-US" dirty="0"/>
+              <a:t>라이브러리에 기본적으로 탑재 되어 있는 </a:t>
+            </a:r>
+            <a:r>
+              <a:rPr lang="en-US" altLang="ko-KR" dirty="0" err="1"/>
+              <a:t>ImGui</a:t>
+            </a:r>
+            <a:r>
+              <a:rPr lang="en-US" altLang="ko-KR" dirty="0"/>
+              <a:t> Demo </a:t>
+            </a:r>
+            <a:r>
+              <a:rPr lang="ko-KR" altLang="en-US" dirty="0"/>
+              <a:t>기능 예제 참조</a:t>
+            </a:r>
+            <a:endParaRPr lang="en-US" altLang="ko-KR" dirty="0"/>
+          </a:p>
+          <a:p>
+            <a:pPr marL="285750" indent="-285750">
+              <a:buFont typeface="Arial" panose="020B0604020202020204" pitchFamily="34" charset="0"/>
+              <a:buChar char="•"/>
+            </a:pPr>
+            <a:r>
+              <a:rPr lang="ko-KR" altLang="en-US" dirty="0"/>
+              <a:t>각 리스트 하위 아이템에 각 기능들의 예제가 구현되어 있는 모습 참조</a:t>
+            </a:r>
+            <a:endParaRPr lang="en-US" altLang="ko-KR" dirty="0"/>
+          </a:p>
+          <a:p>
+            <a:pPr marL="285750" indent="-285750">
+              <a:buFont typeface="Arial" panose="020B0604020202020204" pitchFamily="34" charset="0"/>
+              <a:buChar char="•"/>
+            </a:pPr>
+            <a:r>
+              <a:rPr lang="en-US" altLang="ko-KR" dirty="0"/>
+              <a:t>C++ </a:t>
+            </a:r>
+            <a:r>
+              <a:rPr lang="ko-KR" altLang="en-US" dirty="0"/>
+              <a:t>클래스 </a:t>
+            </a:r>
+            <a:r>
+              <a:rPr lang="en-US" altLang="ko-KR" dirty="0" err="1"/>
+              <a:t>ImGuiDemo</a:t>
+            </a:r>
+            <a:r>
+              <a:rPr lang="en-US" altLang="ko-KR" dirty="0"/>
+              <a:t> </a:t>
+            </a:r>
+            <a:r>
+              <a:rPr lang="ko-KR" altLang="en-US" dirty="0"/>
+              <a:t>참조</a:t>
+            </a:r>
+            <a:endParaRPr lang="en-US" altLang="ko-KR" dirty="0"/>
+          </a:p>
+          <a:p>
+            <a:endParaRPr lang="ko-KR" altLang="en-US" dirty="0"/>
+          </a:p>
+        </p:txBody>
+      </p:sp>
+      <p:pic>
+        <p:nvPicPr>
+          <p:cNvPr id="6" name="내용 개체 틀 5">
+            <a:extLst>
+              <a:ext uri="{FF2B5EF4-FFF2-40B4-BE49-F238E27FC236}">
+                <a16:creationId xmlns:a16="http://schemas.microsoft.com/office/drawing/2014/main" id="{362EE945-AD05-42C1-D62C-050B6B9EC238}"/>
+              </a:ext>
+            </a:extLst>
+          </p:cNvPr>
+          <p:cNvPicPr>
+            <a:picLocks noGrp="1" noChangeAspect="1"/>
+          </p:cNvPicPr>
+          <p:nvPr>
+            <p:ph sz="quarter" idx="13"/>
+          </p:nvPr>
+        </p:nvPicPr>
+        <p:blipFill>
+          <a:blip r:embed="rId2">
+            <a:extLst>
+              <a:ext uri="{28A0092B-C50C-407E-A947-70E740481C1C}">
+                <a14:useLocalDpi xmlns:a14="http://schemas.microsoft.com/office/drawing/2010/main" val="0"/>
+              </a:ext>
+            </a:extLst>
+          </a:blip>
+          <a:stretch>
+            <a:fillRect/>
+          </a:stretch>
+        </p:blipFill>
+        <p:spPr>
+          <a:xfrm>
+            <a:off x="713675" y="1646238"/>
+            <a:ext cx="6192649" cy="4479925"/>
+          </a:xfrm>
+        </p:spPr>
+      </p:pic>
+    </p:spTree>
+    <p:extLst>
+      <p:ext uri="{BB962C8B-B14F-4D97-AF65-F5344CB8AC3E}">
+        <p14:creationId xmlns:p14="http://schemas.microsoft.com/office/powerpoint/2010/main" val="3352100317"/>
+      </p:ext>
+    </p:extLst>
+  </p:cSld>
+  <p:clrMapOvr>
+    <a:masterClrMapping/>
+  </p:clrMapOvr>
+</p:sld>
+</file>
+
+<file path=ppt/slides/slide7.xml><?xml version="1.0" encoding="utf-8"?>
+<p:sld xmlns:a="http://schemas.openxmlformats.org/drawingml/2006/main" xmlns:r="http://schemas.openxmlformats.org/officeDocument/2006/relationships" xmlns:p="http://schemas.openxmlformats.org/presentationml/2006/main">
+  <p:cSld>
+    <p:spTree>
+      <p:nvGrpSpPr>
+        <p:cNvPr id="1" name=""/>
+        <p:cNvGrpSpPr/>
+        <p:nvPr/>
+      </p:nvGrpSpPr>
+      <p:grpSpPr>
+        <a:xfrm>
+          <a:off x="0" y="0"/>
+          <a:ext cx="0" cy="0"/>
+          <a:chOff x="0" y="0"/>
+          <a:chExt cx="0" cy="0"/>
+        </a:xfrm>
+      </p:grpSpPr>
+      <p:sp>
+        <p:nvSpPr>
+          <p:cNvPr id="2" name="제목 1">
+            <a:extLst>
+              <a:ext uri="{FF2B5EF4-FFF2-40B4-BE49-F238E27FC236}">
+                <a16:creationId xmlns:a16="http://schemas.microsoft.com/office/drawing/2014/main" id="{13482532-C454-0368-0CA6-07FB5941A863}"/>
+              </a:ext>
+            </a:extLst>
+          </p:cNvPr>
+          <p:cNvSpPr>
+            <a:spLocks noGrp="1"/>
+          </p:cNvSpPr>
+          <p:nvPr>
+            <p:ph type="title"/>
+          </p:nvPr>
+        </p:nvSpPr>
+        <p:spPr/>
+        <p:txBody>
+          <a:bodyPr/>
+          <a:lstStyle/>
+          <a:p>
+            <a:r>
+              <a:rPr lang="en-US" altLang="ko-KR" dirty="0"/>
+              <a:t>UMG – </a:t>
+            </a:r>
+            <a:r>
+              <a:rPr lang="en-US" altLang="ko-KR" dirty="0" err="1"/>
+              <a:t>ImGui</a:t>
+            </a:r>
+            <a:r>
+              <a:rPr lang="en-US" altLang="ko-KR" dirty="0"/>
+              <a:t> </a:t>
+            </a:r>
+            <a:r>
+              <a:rPr lang="ko-KR" altLang="en-US" dirty="0"/>
+              <a:t>상호 전환</a:t>
+            </a:r>
+          </a:p>
+        </p:txBody>
+      </p:sp>
+      <p:sp>
+        <p:nvSpPr>
+          <p:cNvPr id="3" name="텍스트 개체 틀 2">
+            <a:extLst>
+              <a:ext uri="{FF2B5EF4-FFF2-40B4-BE49-F238E27FC236}">
+                <a16:creationId xmlns:a16="http://schemas.microsoft.com/office/drawing/2014/main" id="{30D57BD0-7DE1-8AEB-062F-51066C411A0D}"/>
+              </a:ext>
+            </a:extLst>
+          </p:cNvPr>
+          <p:cNvSpPr>
+            <a:spLocks noGrp="1"/>
+          </p:cNvSpPr>
+          <p:nvPr>
+            <p:ph type="body" sz="half" idx="2"/>
+          </p:nvPr>
+        </p:nvSpPr>
+        <p:spPr>
+          <a:xfrm>
+            <a:off x="6486525" y="1645920"/>
+            <a:ext cx="4376547" cy="4480560"/>
+          </a:xfrm>
+        </p:spPr>
+        <p:txBody>
+          <a:bodyPr/>
+          <a:lstStyle/>
+          <a:p>
+            <a:pPr marL="285750" indent="-285750">
+              <a:buFont typeface="Arial" panose="020B0604020202020204" pitchFamily="34" charset="0"/>
+              <a:buChar char="•"/>
+            </a:pPr>
+            <a:r>
+              <a:rPr lang="en-US" altLang="ko-KR" dirty="0"/>
+              <a:t>UMG</a:t>
+            </a:r>
+            <a:r>
+              <a:rPr lang="ko-KR" altLang="en-US" dirty="0"/>
+              <a:t>와 </a:t>
+            </a:r>
+            <a:r>
+              <a:rPr lang="en-US" altLang="ko-KR" dirty="0" err="1"/>
+              <a:t>ImGui</a:t>
+            </a:r>
+            <a:r>
+              <a:rPr lang="ko-KR" altLang="en-US" dirty="0"/>
+              <a:t>는 별개의 입력모드로 존재하기 때문에 동일한 디스플레이에 렌더링은 되지만 입력모드를 전환해서 사용 필요</a:t>
+            </a:r>
+            <a:r>
+              <a:rPr lang="en-US" altLang="ko-KR" dirty="0"/>
+              <a:t>.</a:t>
+            </a:r>
+          </a:p>
+          <a:p>
+            <a:pPr marL="285750" indent="-285750">
+              <a:buFont typeface="Arial" panose="020B0604020202020204" pitchFamily="34" charset="0"/>
+              <a:buChar char="•"/>
+            </a:pPr>
+            <a:endParaRPr lang="en-US" altLang="ko-KR" dirty="0"/>
+          </a:p>
+          <a:p>
+            <a:pPr marL="285750" indent="-285750">
+              <a:buFont typeface="Arial" panose="020B0604020202020204" pitchFamily="34" charset="0"/>
+              <a:buChar char="•"/>
+            </a:pPr>
+            <a:r>
+              <a:rPr lang="ko-KR" altLang="en-US" dirty="0"/>
+              <a:t>기본적으로 </a:t>
+            </a:r>
+            <a:r>
+              <a:rPr lang="ko-KR" altLang="en-US" dirty="0" err="1"/>
+              <a:t>언리얼</a:t>
+            </a:r>
+            <a:r>
+              <a:rPr lang="ko-KR" altLang="en-US" dirty="0"/>
+              <a:t> 엔진의 </a:t>
+            </a:r>
+            <a:r>
+              <a:rPr lang="en-US" altLang="ko-KR" dirty="0" err="1"/>
+              <a:t>Cmd</a:t>
+            </a:r>
+            <a:r>
+              <a:rPr lang="en-US" altLang="ko-KR" dirty="0"/>
+              <a:t> </a:t>
+            </a:r>
+            <a:r>
+              <a:rPr lang="ko-KR" altLang="en-US" dirty="0"/>
+              <a:t>입력을 통하여 </a:t>
+            </a:r>
+            <a:r>
+              <a:rPr lang="en-US" altLang="ko-KR" dirty="0"/>
+              <a:t>UMG – </a:t>
+            </a:r>
+            <a:r>
+              <a:rPr lang="en-US" altLang="ko-KR" dirty="0" err="1"/>
+              <a:t>ImGui</a:t>
+            </a:r>
+            <a:r>
+              <a:rPr lang="en-US" altLang="ko-KR" dirty="0"/>
+              <a:t> </a:t>
+            </a:r>
+            <a:r>
+              <a:rPr lang="ko-KR" altLang="en-US" dirty="0"/>
+              <a:t>입력 모드 전환 가능</a:t>
+            </a:r>
+            <a:r>
+              <a:rPr lang="en-US" altLang="ko-KR" dirty="0"/>
+              <a:t>.</a:t>
+            </a:r>
+          </a:p>
+          <a:p>
+            <a:pPr marL="285750" indent="-285750">
+              <a:buFont typeface="Arial" panose="020B0604020202020204" pitchFamily="34" charset="0"/>
+              <a:buChar char="•"/>
+            </a:pPr>
+            <a:endParaRPr lang="en-US" altLang="ko-KR" dirty="0"/>
+          </a:p>
+          <a:p>
+            <a:pPr marL="285750" indent="-285750">
+              <a:buFont typeface="Arial" panose="020B0604020202020204" pitchFamily="34" charset="0"/>
+              <a:buChar char="•"/>
+            </a:pPr>
+            <a:r>
+              <a:rPr lang="ko-KR" altLang="en-US" dirty="0"/>
+              <a:t>각각 </a:t>
+            </a:r>
+            <a:r>
+              <a:rPr lang="en-US" altLang="ko-KR" dirty="0" err="1"/>
+              <a:t>UIWidget</a:t>
+            </a:r>
+            <a:r>
+              <a:rPr lang="ko-KR" altLang="en-US" dirty="0"/>
+              <a:t>과 </a:t>
+            </a:r>
+            <a:r>
+              <a:rPr lang="en-US" altLang="ko-KR" dirty="0" err="1"/>
+              <a:t>ImGuiTest</a:t>
+            </a:r>
+            <a:r>
+              <a:rPr lang="en-US" altLang="ko-KR" dirty="0"/>
+              <a:t>(</a:t>
+            </a:r>
+            <a:r>
+              <a:rPr lang="ko-KR" altLang="en-US" dirty="0"/>
+              <a:t>작업 공간</a:t>
+            </a:r>
+            <a:r>
+              <a:rPr lang="en-US" altLang="ko-KR" dirty="0"/>
+              <a:t>) </a:t>
+            </a:r>
+            <a:r>
+              <a:rPr lang="ko-KR" altLang="en-US" dirty="0"/>
+              <a:t>클래스에서 각 버튼들을 연결할 층</a:t>
+            </a:r>
+            <a:r>
+              <a:rPr lang="en-US" altLang="ko-KR" dirty="0"/>
+              <a:t> </a:t>
+            </a:r>
+            <a:r>
+              <a:rPr lang="ko-KR" altLang="en-US" dirty="0"/>
+              <a:t>명령어 함수 구현</a:t>
+            </a:r>
+            <a:r>
+              <a:rPr lang="en-US" altLang="ko-KR" dirty="0"/>
+              <a:t>.</a:t>
+            </a:r>
+            <a:r>
+              <a:rPr lang="ko-KR" altLang="en-US" dirty="0"/>
+              <a:t> </a:t>
+            </a:r>
+            <a:endParaRPr lang="en-US" altLang="ko-KR" dirty="0"/>
+          </a:p>
+          <a:p>
+            <a:pPr marL="285750" indent="-285750">
+              <a:buFont typeface="Arial" panose="020B0604020202020204" pitchFamily="34" charset="0"/>
+              <a:buChar char="•"/>
+            </a:pPr>
+            <a:endParaRPr lang="en-US" altLang="ko-KR" dirty="0"/>
+          </a:p>
+          <a:p>
+            <a:pPr marL="285750" indent="-285750">
+              <a:buFont typeface="Arial" panose="020B0604020202020204" pitchFamily="34" charset="0"/>
+              <a:buChar char="•"/>
+            </a:pPr>
+            <a:r>
+              <a:rPr lang="ko-KR" altLang="en-US" dirty="0"/>
+              <a:t>앞으로 구현하는 </a:t>
+            </a:r>
+            <a:r>
+              <a:rPr lang="en-US" altLang="ko-KR" dirty="0" err="1"/>
+              <a:t>ImGui</a:t>
+            </a:r>
+            <a:r>
+              <a:rPr lang="en-US" altLang="ko-KR" dirty="0"/>
+              <a:t> </a:t>
+            </a:r>
+            <a:r>
+              <a:rPr lang="ko-KR" altLang="en-US" dirty="0"/>
+              <a:t>윈도우는 </a:t>
+            </a:r>
+            <a:r>
+              <a:rPr lang="ko-KR" altLang="en-US" dirty="0" err="1"/>
+              <a:t>언리얼</a:t>
+            </a:r>
+            <a:r>
+              <a:rPr lang="ko-KR" altLang="en-US" dirty="0"/>
+              <a:t> 엔진의 </a:t>
+            </a:r>
+            <a:r>
+              <a:rPr lang="en-US" altLang="ko-KR" dirty="0"/>
+              <a:t>Tick </a:t>
+            </a:r>
+            <a:r>
+              <a:rPr lang="ko-KR" altLang="en-US" dirty="0"/>
+              <a:t>함수에 렌더링하여 구현</a:t>
+            </a:r>
+            <a:endParaRPr lang="en-US" altLang="ko-KR" dirty="0"/>
+          </a:p>
+          <a:p>
+            <a:endParaRPr lang="en-US" altLang="ko-KR" dirty="0"/>
+          </a:p>
+          <a:p>
+            <a:endParaRPr lang="ko-KR" altLang="en-US" dirty="0"/>
+          </a:p>
+        </p:txBody>
+      </p:sp>
+      <p:pic>
+        <p:nvPicPr>
+          <p:cNvPr id="6" name="내용 개체 틀 5" descr="텍스트, 하늘, 표지판, 스크린샷이(가) 표시된 사진&#10;&#10;자동 생성된 설명">
+            <a:extLst>
+              <a:ext uri="{FF2B5EF4-FFF2-40B4-BE49-F238E27FC236}">
+                <a16:creationId xmlns:a16="http://schemas.microsoft.com/office/drawing/2014/main" id="{A3B97B00-2EE7-3C84-818B-5811CB8702F6}"/>
+              </a:ext>
+            </a:extLst>
+          </p:cNvPr>
+          <p:cNvPicPr>
+            <a:picLocks noGrp="1" noChangeAspect="1"/>
+          </p:cNvPicPr>
+          <p:nvPr>
+            <p:ph sz="quarter" idx="13"/>
+          </p:nvPr>
+        </p:nvPicPr>
+        <p:blipFill>
+          <a:blip r:embed="rId2">
+            <a:extLst>
+              <a:ext uri="{28A0092B-C50C-407E-A947-70E740481C1C}">
+                <a14:useLocalDpi xmlns:a14="http://schemas.microsoft.com/office/drawing/2010/main" val="0"/>
+              </a:ext>
+            </a:extLst>
+          </a:blip>
+          <a:stretch>
+            <a:fillRect/>
+          </a:stretch>
+        </p:blipFill>
+        <p:spPr>
+          <a:xfrm>
+            <a:off x="324775" y="1514144"/>
+            <a:ext cx="4791744" cy="2372056"/>
+          </a:xfrm>
+        </p:spPr>
+      </p:pic>
+      <p:pic>
+        <p:nvPicPr>
+          <p:cNvPr id="8" name="그림 7">
+            <a:extLst>
+              <a:ext uri="{FF2B5EF4-FFF2-40B4-BE49-F238E27FC236}">
+                <a16:creationId xmlns:a16="http://schemas.microsoft.com/office/drawing/2014/main" id="{F9CB4B6A-E5F5-8864-A91A-955F7E28014E}"/>
+              </a:ext>
+            </a:extLst>
+          </p:cNvPr>
+          <p:cNvPicPr>
+            <a:picLocks noChangeAspect="1"/>
+          </p:cNvPicPr>
+          <p:nvPr/>
+        </p:nvPicPr>
+        <p:blipFill>
+          <a:blip r:embed="rId3"/>
+          <a:stretch>
+            <a:fillRect/>
+          </a:stretch>
+        </p:blipFill>
+        <p:spPr>
+          <a:xfrm>
+            <a:off x="3068358" y="3266765"/>
+            <a:ext cx="2048161" cy="685896"/>
+          </a:xfrm>
+          <a:prstGeom prst="rect">
+            <a:avLst/>
+          </a:prstGeom>
+        </p:spPr>
+      </p:pic>
+      <p:pic>
+        <p:nvPicPr>
+          <p:cNvPr id="10" name="그림 9" descr="텍스트이(가) 표시된 사진&#10;&#10;자동 생성된 설명">
+            <a:extLst>
+              <a:ext uri="{FF2B5EF4-FFF2-40B4-BE49-F238E27FC236}">
+                <a16:creationId xmlns:a16="http://schemas.microsoft.com/office/drawing/2014/main" id="{6DDEED90-3023-E986-8A89-0E08001A1B7F}"/>
+              </a:ext>
+            </a:extLst>
+          </p:cNvPr>
+          <p:cNvPicPr>
+            <a:picLocks noChangeAspect="1"/>
+          </p:cNvPicPr>
+          <p:nvPr/>
+        </p:nvPicPr>
+        <p:blipFill>
+          <a:blip r:embed="rId4">
+            <a:extLst>
+              <a:ext uri="{28A0092B-C50C-407E-A947-70E740481C1C}">
+                <a14:useLocalDpi xmlns:a14="http://schemas.microsoft.com/office/drawing/2010/main" val="0"/>
+              </a:ext>
+            </a:extLst>
+          </a:blip>
+          <a:stretch>
+            <a:fillRect/>
+          </a:stretch>
+        </p:blipFill>
+        <p:spPr>
+          <a:xfrm>
+            <a:off x="291308" y="4035525"/>
+            <a:ext cx="5558986" cy="1290354"/>
+          </a:xfrm>
+          <a:prstGeom prst="rect">
+            <a:avLst/>
+          </a:prstGeom>
+        </p:spPr>
+      </p:pic>
+      <p:pic>
+        <p:nvPicPr>
+          <p:cNvPr id="12" name="그림 11" descr="텍스트이(가) 표시된 사진&#10;&#10;자동 생성된 설명">
+            <a:extLst>
+              <a:ext uri="{FF2B5EF4-FFF2-40B4-BE49-F238E27FC236}">
+                <a16:creationId xmlns:a16="http://schemas.microsoft.com/office/drawing/2014/main" id="{D5A958C4-4480-DA07-F2C1-0BA56FD38C42}"/>
+              </a:ext>
+            </a:extLst>
+          </p:cNvPr>
+          <p:cNvPicPr>
+            <a:picLocks noChangeAspect="1"/>
+          </p:cNvPicPr>
+          <p:nvPr/>
+        </p:nvPicPr>
+        <p:blipFill>
+          <a:blip r:embed="rId5">
+            <a:extLst>
+              <a:ext uri="{28A0092B-C50C-407E-A947-70E740481C1C}">
+                <a14:useLocalDpi xmlns:a14="http://schemas.microsoft.com/office/drawing/2010/main" val="0"/>
+              </a:ext>
+            </a:extLst>
+          </a:blip>
+          <a:stretch>
+            <a:fillRect/>
+          </a:stretch>
+        </p:blipFill>
+        <p:spPr>
+          <a:xfrm>
+            <a:off x="274230" y="5474071"/>
+            <a:ext cx="5576064" cy="1227164"/>
+          </a:xfrm>
+          <a:prstGeom prst="rect">
+            <a:avLst/>
+          </a:prstGeom>
+        </p:spPr>
+      </p:pic>
+    </p:spTree>
+    <p:extLst>
+      <p:ext uri="{BB962C8B-B14F-4D97-AF65-F5344CB8AC3E}">
+        <p14:creationId xmlns:p14="http://schemas.microsoft.com/office/powerpoint/2010/main" val="4260159368"/>
+      </p:ext>
+    </p:extLst>
+  </p:cSld>
+  <p:clrMapOvr>
+    <a:masterClrMapping/>
+  </p:clrMapOvr>
+</p:sld>
+</file>
+
+<file path=ppt/slides/slide8.xml><?xml version="1.0" encoding="utf-8"?>
+<p:sld xmlns:a="http://schemas.openxmlformats.org/drawingml/2006/main" xmlns:r="http://schemas.openxmlformats.org/officeDocument/2006/relationships" xmlns:p="http://schemas.openxmlformats.org/presentationml/2006/main">
+  <p:cSld>
+    <p:spTree>
+      <p:nvGrpSpPr>
+        <p:cNvPr id="1" name=""/>
+        <p:cNvGrpSpPr/>
+        <p:nvPr/>
+      </p:nvGrpSpPr>
+      <p:grpSpPr>
+        <a:xfrm>
+          <a:off x="0" y="0"/>
+          <a:ext cx="0" cy="0"/>
+          <a:chOff x="0" y="0"/>
+          <a:chExt cx="0" cy="0"/>
+        </a:xfrm>
+      </p:grpSpPr>
+      <p:sp>
+        <p:nvSpPr>
+          <p:cNvPr id="2" name="제목 1">
+            <a:extLst>
+              <a:ext uri="{FF2B5EF4-FFF2-40B4-BE49-F238E27FC236}">
+                <a16:creationId xmlns:a16="http://schemas.microsoft.com/office/drawing/2014/main" id="{2CFFF152-3BF2-FD25-9221-4CF84B019B10}"/>
+              </a:ext>
+            </a:extLst>
+          </p:cNvPr>
+          <p:cNvSpPr>
+            <a:spLocks noGrp="1"/>
+          </p:cNvSpPr>
+          <p:nvPr>
+            <p:ph type="title"/>
+          </p:nvPr>
+        </p:nvSpPr>
+        <p:spPr/>
+        <p:txBody>
+          <a:bodyPr/>
+          <a:lstStyle/>
+          <a:p>
+            <a:r>
+              <a:rPr lang="en-US" altLang="ko-KR" dirty="0"/>
+              <a:t>Color Picker</a:t>
+            </a:r>
+            <a:endParaRPr lang="ko-KR" altLang="en-US" dirty="0"/>
+          </a:p>
+        </p:txBody>
+      </p:sp>
+      <p:sp>
+        <p:nvSpPr>
+          <p:cNvPr id="3" name="텍스트 개체 틀 2">
+            <a:extLst>
+              <a:ext uri="{FF2B5EF4-FFF2-40B4-BE49-F238E27FC236}">
+                <a16:creationId xmlns:a16="http://schemas.microsoft.com/office/drawing/2014/main" id="{3AFBBD3E-F60D-FBCB-6E39-90FE533C7154}"/>
+              </a:ext>
+            </a:extLst>
+          </p:cNvPr>
+          <p:cNvSpPr>
+            <a:spLocks noGrp="1"/>
+          </p:cNvSpPr>
+          <p:nvPr>
+            <p:ph type="body" sz="half" idx="2"/>
+          </p:nvPr>
+        </p:nvSpPr>
+        <p:spPr/>
+        <p:txBody>
+          <a:bodyPr/>
+          <a:lstStyle/>
+          <a:p>
+            <a:r>
+              <a:rPr lang="en-US" altLang="ko-KR" dirty="0" err="1"/>
+              <a:t>ImGui</a:t>
+            </a:r>
+            <a:r>
+              <a:rPr lang="en-US" altLang="ko-KR" dirty="0"/>
+              <a:t>::ColorPicker4(),</a:t>
+            </a:r>
+            <a:r>
+              <a:rPr lang="ko-KR" altLang="en-US" dirty="0"/>
+              <a:t> </a:t>
+            </a:r>
+            <a:r>
+              <a:rPr lang="en-US" altLang="ko-KR" dirty="0"/>
+              <a:t>ImVec4 </a:t>
+            </a:r>
+            <a:r>
+              <a:rPr lang="ko-KR" altLang="en-US" dirty="0"/>
+              <a:t>자료형을 이용하여 </a:t>
+            </a:r>
+            <a:r>
+              <a:rPr lang="en-US" altLang="ko-KR" dirty="0"/>
+              <a:t>4</a:t>
+            </a:r>
+            <a:r>
+              <a:rPr lang="ko-KR" altLang="en-US" dirty="0"/>
+              <a:t>차원의 </a:t>
+            </a:r>
+            <a:r>
+              <a:rPr lang="ko-KR" altLang="en-US" dirty="0" err="1"/>
+              <a:t>벡터값으로</a:t>
+            </a:r>
+            <a:r>
+              <a:rPr lang="ko-KR" altLang="en-US" dirty="0"/>
+              <a:t> </a:t>
+            </a:r>
+            <a:r>
+              <a:rPr lang="en-US" altLang="ko-KR" dirty="0"/>
+              <a:t>R,G,B,A </a:t>
+            </a:r>
+            <a:r>
+              <a:rPr lang="ko-KR" altLang="en-US" dirty="0"/>
+              <a:t>값을 표현</a:t>
+            </a:r>
+            <a:endParaRPr lang="en-US" altLang="ko-KR" dirty="0"/>
+          </a:p>
+          <a:p>
+            <a:endParaRPr lang="en-US" altLang="ko-KR" dirty="0"/>
+          </a:p>
+          <a:p>
+            <a:r>
+              <a:rPr lang="ko-KR" altLang="en-US" dirty="0"/>
+              <a:t>해당 값을 색상판을 </a:t>
+            </a:r>
+            <a:r>
+              <a:rPr lang="ko-KR" altLang="en-US" dirty="0" err="1"/>
+              <a:t>드래그하여</a:t>
+            </a:r>
+            <a:r>
+              <a:rPr lang="ko-KR" altLang="en-US" dirty="0"/>
+              <a:t> 실시간으로 값을 저장</a:t>
+            </a:r>
+          </a:p>
+        </p:txBody>
+      </p:sp>
+      <p:pic>
+        <p:nvPicPr>
+          <p:cNvPr id="6" name="내용 개체 틀 5" descr="텍스트, 모니터, 화면, 전자기기이(가) 표시된 사진&#10;&#10;자동 생성된 설명">
+            <a:extLst>
+              <a:ext uri="{FF2B5EF4-FFF2-40B4-BE49-F238E27FC236}">
+                <a16:creationId xmlns:a16="http://schemas.microsoft.com/office/drawing/2014/main" id="{FD347D85-9FE2-F668-EACF-23C7DC9FFA73}"/>
+              </a:ext>
+            </a:extLst>
+          </p:cNvPr>
+          <p:cNvPicPr>
+            <a:picLocks noGrp="1" noChangeAspect="1"/>
+          </p:cNvPicPr>
+          <p:nvPr>
+            <p:ph sz="quarter" idx="13"/>
+          </p:nvPr>
+        </p:nvPicPr>
+        <p:blipFill>
+          <a:blip r:embed="rId2">
+            <a:extLst>
+              <a:ext uri="{28A0092B-C50C-407E-A947-70E740481C1C}">
+                <a14:useLocalDpi xmlns:a14="http://schemas.microsoft.com/office/drawing/2010/main" val="0"/>
+              </a:ext>
+            </a:extLst>
+          </a:blip>
+          <a:stretch>
+            <a:fillRect/>
+          </a:stretch>
+        </p:blipFill>
+        <p:spPr>
+          <a:xfrm>
+            <a:off x="609599" y="1857092"/>
+            <a:ext cx="4115374" cy="4058216"/>
+          </a:xfrm>
+        </p:spPr>
+      </p:pic>
+    </p:spTree>
+    <p:extLst>
+      <p:ext uri="{BB962C8B-B14F-4D97-AF65-F5344CB8AC3E}">
+        <p14:creationId xmlns:p14="http://schemas.microsoft.com/office/powerpoint/2010/main" val="562044361"/>
+      </p:ext>
+    </p:extLst>
+  </p:cSld>
+  <p:clrMapOvr>
+    <a:masterClrMapping/>
+  </p:clrMapOvr>
+</p:sld>
+</file>
+
+<file path=ppt/slides/slide9.xml><?xml version="1.0" encoding="utf-8"?>
+<p:sld xmlns:a="http://schemas.openxmlformats.org/drawingml/2006/main" xmlns:r="http://schemas.openxmlformats.org/officeDocument/2006/relationships" xmlns:p="http://schemas.openxmlformats.org/presentationml/2006/main">
+  <p:cSld>
+    <p:spTree>
+      <p:nvGrpSpPr>
+        <p:cNvPr id="1" name=""/>
+        <p:cNvGrpSpPr/>
+        <p:nvPr/>
+      </p:nvGrpSpPr>
+      <p:grpSpPr>
+        <a:xfrm>
+          <a:off x="0" y="0"/>
+          <a:ext cx="0" cy="0"/>
+          <a:chOff x="0" y="0"/>
+          <a:chExt cx="0" cy="0"/>
+        </a:xfrm>
+      </p:grpSpPr>
+      <p:sp>
+        <p:nvSpPr>
+          <p:cNvPr id="2" name="제목 1">
+            <a:extLst>
+              <a:ext uri="{FF2B5EF4-FFF2-40B4-BE49-F238E27FC236}">
+                <a16:creationId xmlns:a16="http://schemas.microsoft.com/office/drawing/2014/main" id="{E165B61D-E3AF-C3B1-5379-079C05F23376}"/>
+              </a:ext>
+            </a:extLst>
+          </p:cNvPr>
+          <p:cNvSpPr>
+            <a:spLocks noGrp="1"/>
+          </p:cNvSpPr>
+          <p:nvPr>
+            <p:ph type="title"/>
+          </p:nvPr>
+        </p:nvSpPr>
+        <p:spPr/>
+        <p:txBody>
+          <a:bodyPr/>
+          <a:lstStyle/>
+          <a:p>
+            <a:r>
+              <a:rPr lang="en-US" altLang="ko-KR" dirty="0" err="1"/>
+              <a:t>ImGui</a:t>
+            </a:r>
+            <a:r>
+              <a:rPr lang="en-US" altLang="ko-KR" dirty="0"/>
+              <a:t> Text </a:t>
+            </a:r>
+            <a:r>
+              <a:rPr lang="ko-KR" altLang="en-US" dirty="0"/>
+              <a:t>입출력 </a:t>
+            </a:r>
+            <a:r>
+              <a:rPr lang="en-US" altLang="ko-KR" dirty="0"/>
+              <a:t>– </a:t>
+            </a:r>
+            <a:r>
+              <a:rPr lang="ko-KR" altLang="en-US" dirty="0"/>
+              <a:t>시각 표시 </a:t>
+            </a:r>
+            <a:r>
+              <a:rPr lang="en-US" altLang="ko-KR" dirty="0"/>
+              <a:t>/ </a:t>
+            </a:r>
+            <a:r>
+              <a:rPr lang="ko-KR" altLang="en-US" dirty="0"/>
+              <a:t>텍스트 입력</a:t>
+            </a:r>
+          </a:p>
+        </p:txBody>
+      </p:sp>
+      <p:sp>
+        <p:nvSpPr>
+          <p:cNvPr id="3" name="텍스트 개체 틀 2">
+            <a:extLst>
+              <a:ext uri="{FF2B5EF4-FFF2-40B4-BE49-F238E27FC236}">
+                <a16:creationId xmlns:a16="http://schemas.microsoft.com/office/drawing/2014/main" id="{68516D53-9E7B-D263-2E1C-51109B68721E}"/>
+              </a:ext>
+            </a:extLst>
+          </p:cNvPr>
+          <p:cNvSpPr>
+            <a:spLocks noGrp="1"/>
+          </p:cNvSpPr>
+          <p:nvPr>
+            <p:ph type="body" sz="half" idx="2"/>
+          </p:nvPr>
+        </p:nvSpPr>
+        <p:spPr>
+          <a:xfrm>
+            <a:off x="4781550" y="1645920"/>
+            <a:ext cx="6081522" cy="4480560"/>
+          </a:xfrm>
+        </p:spPr>
+        <p:txBody>
+          <a:bodyPr/>
+          <a:lstStyle/>
+          <a:p>
+            <a:r>
+              <a:rPr lang="en-US" altLang="ko-KR" dirty="0" err="1"/>
+              <a:t>ImGui</a:t>
+            </a:r>
+            <a:r>
+              <a:rPr lang="en-US" altLang="ko-KR" dirty="0"/>
+              <a:t>::Text()</a:t>
+            </a:r>
+            <a:r>
+              <a:rPr lang="ko-KR" altLang="en-US" dirty="0"/>
+              <a:t> 함수를 이용하여 출력</a:t>
+            </a:r>
+            <a:endParaRPr lang="en-US" altLang="ko-KR" dirty="0"/>
+          </a:p>
+          <a:p>
+            <a:endParaRPr lang="en-US" altLang="ko-KR" dirty="0"/>
+          </a:p>
+          <a:p>
+            <a:endParaRPr lang="en-US" altLang="ko-KR" dirty="0"/>
+          </a:p>
+          <a:p>
+            <a:r>
+              <a:rPr lang="en-US" altLang="ko-KR" dirty="0" err="1"/>
+              <a:t>ImGui</a:t>
+            </a:r>
+            <a:r>
+              <a:rPr lang="en-US" altLang="ko-KR" dirty="0"/>
+              <a:t>::</a:t>
+            </a:r>
+            <a:r>
+              <a:rPr lang="en-US" altLang="ko-KR" dirty="0" err="1"/>
+              <a:t>InputTextMultiline</a:t>
+            </a:r>
+            <a:r>
+              <a:rPr lang="en-US" altLang="ko-KR" dirty="0"/>
+              <a:t>() </a:t>
+            </a:r>
+            <a:r>
+              <a:rPr lang="ko-KR" altLang="en-US" dirty="0"/>
+              <a:t>을 이용하여 텍스트 입력 처리</a:t>
+            </a:r>
+            <a:endParaRPr lang="en-US" altLang="ko-KR" dirty="0"/>
+          </a:p>
+          <a:p>
+            <a:endParaRPr lang="en-US" altLang="ko-KR" dirty="0"/>
+          </a:p>
+          <a:p>
+            <a:endParaRPr lang="en-US" altLang="ko-KR" dirty="0"/>
+          </a:p>
+          <a:p>
+            <a:r>
+              <a:rPr lang="ko-KR" altLang="en-US" dirty="0"/>
+              <a:t>입력한 텍스트를 </a:t>
+            </a:r>
+            <a:r>
+              <a:rPr lang="en-US" altLang="ko-KR" dirty="0" err="1"/>
+              <a:t>ImGui</a:t>
+            </a:r>
+            <a:r>
+              <a:rPr lang="en-US" altLang="ko-KR" dirty="0"/>
+              <a:t>::</a:t>
+            </a:r>
+            <a:r>
+              <a:rPr lang="en-US" altLang="ko-KR" dirty="0" err="1"/>
+              <a:t>TextColored</a:t>
+            </a:r>
+            <a:r>
+              <a:rPr lang="en-US" altLang="ko-KR" dirty="0"/>
+              <a:t>()</a:t>
+            </a:r>
+            <a:r>
+              <a:rPr lang="ko-KR" altLang="en-US" dirty="0"/>
+              <a:t>를 이용하여 전에 선택한 색상으로 표기</a:t>
+            </a:r>
+            <a:endParaRPr lang="en-US" altLang="ko-KR" dirty="0"/>
+          </a:p>
+        </p:txBody>
+      </p:sp>
+      <p:pic>
+        <p:nvPicPr>
+          <p:cNvPr id="6" name="내용 개체 틀 5" descr="텍스트이(가) 표시된 사진&#10;&#10;자동 생성된 설명">
+            <a:extLst>
+              <a:ext uri="{FF2B5EF4-FFF2-40B4-BE49-F238E27FC236}">
+                <a16:creationId xmlns:a16="http://schemas.microsoft.com/office/drawing/2014/main" id="{EFD7C98A-769B-93F0-8D4B-56D398832965}"/>
+              </a:ext>
+            </a:extLst>
+          </p:cNvPr>
+          <p:cNvPicPr>
+            <a:picLocks noGrp="1" noChangeAspect="1"/>
+          </p:cNvPicPr>
+          <p:nvPr>
+            <p:ph sz="quarter" idx="13"/>
+          </p:nvPr>
+        </p:nvPicPr>
+        <p:blipFill>
+          <a:blip r:embed="rId2">
+            <a:extLst>
+              <a:ext uri="{28A0092B-C50C-407E-A947-70E740481C1C}">
+                <a14:useLocalDpi xmlns:a14="http://schemas.microsoft.com/office/drawing/2010/main" val="0"/>
+              </a:ext>
+            </a:extLst>
+          </a:blip>
+          <a:stretch>
+            <a:fillRect/>
+          </a:stretch>
+        </p:blipFill>
+        <p:spPr>
+          <a:xfrm>
+            <a:off x="1099925" y="1751920"/>
+            <a:ext cx="3038899" cy="1133633"/>
+          </a:xfrm>
+        </p:spPr>
+      </p:pic>
+      <p:pic>
+        <p:nvPicPr>
+          <p:cNvPr id="10" name="그림 9" descr="텍스트, 모니터, 스크린샷이(가) 표시된 사진&#10;&#10;자동 생성된 설명">
+            <a:extLst>
+              <a:ext uri="{FF2B5EF4-FFF2-40B4-BE49-F238E27FC236}">
+                <a16:creationId xmlns:a16="http://schemas.microsoft.com/office/drawing/2014/main" id="{5A6F6F29-7FF9-7A9B-3D26-79396798B593}"/>
+              </a:ext>
+            </a:extLst>
+          </p:cNvPr>
+          <p:cNvPicPr>
+            <a:picLocks noChangeAspect="1"/>
+          </p:cNvPicPr>
+          <p:nvPr/>
+        </p:nvPicPr>
+        <p:blipFill>
+          <a:blip r:embed="rId3">
+            <a:extLst>
+              <a:ext uri="{28A0092B-C50C-407E-A947-70E740481C1C}">
+                <a14:useLocalDpi xmlns:a14="http://schemas.microsoft.com/office/drawing/2010/main" val="0"/>
+              </a:ext>
+            </a:extLst>
+          </a:blip>
+          <a:stretch>
+            <a:fillRect/>
+          </a:stretch>
+        </p:blipFill>
+        <p:spPr>
+          <a:xfrm>
+            <a:off x="1099925" y="3156145"/>
+            <a:ext cx="3324689" cy="3153215"/>
+          </a:xfrm>
+          <a:prstGeom prst="rect">
+            <a:avLst/>
+          </a:prstGeom>
+        </p:spPr>
+      </p:pic>
+    </p:spTree>
+    <p:extLst>
+      <p:ext uri="{BB962C8B-B14F-4D97-AF65-F5344CB8AC3E}">
+        <p14:creationId xmlns:p14="http://schemas.microsoft.com/office/powerpoint/2010/main" val="52006989"/>
       </p:ext>
     </p:extLst>
   </p:cSld>
@@ -6734,6 +9027,12 @@
 </file>
 
 <file path=customXml/item2.xml><?xml version="1.0" encoding="utf-8"?>
+<p:properties xmlns:p="http://schemas.microsoft.com/office/2006/metadata/properties" xmlns:xsi="http://www.w3.org/2001/XMLSchema-instance" xmlns:pc="http://schemas.microsoft.com/office/infopath/2007/PartnerControls">
+  <documentManagement/>
+</p:properties>
+</file>
+
+<file path=customXml/item3.xml><?xml version="1.0" encoding="utf-8"?>
 <ct:contentTypeSchema xmlns:ct="http://schemas.microsoft.com/office/2006/metadata/contentType" xmlns:ma="http://schemas.microsoft.com/office/2006/metadata/properties/metaAttributes" ct:_="" ma:_="" ma:contentTypeName="문서" ma:contentTypeID="0x0101002582B512493C3E40B3D3539D0FA5362A" ma:contentTypeVersion="2" ma:contentTypeDescription="새 문서를 만듭니다." ma:contentTypeScope="" ma:versionID="e59bd2db4c2bf92e879a938b44ba0553">
   <xsd:schema xmlns:xsd="http://www.w3.org/2001/XMLSchema" xmlns:xs="http://www.w3.org/2001/XMLSchema" xmlns:p="http://schemas.microsoft.com/office/2006/metadata/properties" xmlns:ns3="2414ff08-1f71-476b-8f21-c6c34e5e6921" targetNamespace="http://schemas.microsoft.com/office/2006/metadata/properties" ma:root="true" ma:fieldsID="b20e80dda2574f76264a56ef268cabe1" ns3:_="">
     <xsd:import namespace="2414ff08-1f71-476b-8f21-c6c34e5e6921"/>
@@ -6865,12 +9164,6 @@
 </ct:contentTypeSchema>
 </file>
 
-<file path=customXml/item3.xml><?xml version="1.0" encoding="utf-8"?>
-<p:properties xmlns:p="http://schemas.microsoft.com/office/2006/metadata/properties" xmlns:xsi="http://www.w3.org/2001/XMLSchema-instance" xmlns:pc="http://schemas.microsoft.com/office/infopath/2007/PartnerControls">
-  <documentManagement/>
-</p:properties>
-</file>
-
 <file path=customXml/itemProps1.xml><?xml version="1.0" encoding="utf-8"?>
 <ds:datastoreItem xmlns:ds="http://schemas.openxmlformats.org/officeDocument/2006/customXml" ds:itemID="{738BD760-F7C0-4556-8461-FED9A940450F}">
   <ds:schemaRefs>
@@ -6880,6 +9173,22 @@
 </file>
 
 <file path=customXml/itemProps2.xml><?xml version="1.0" encoding="utf-8"?>
+<ds:datastoreItem xmlns:ds="http://schemas.openxmlformats.org/officeDocument/2006/customXml" ds:itemID="{D7F6FA08-4B24-4749-8A26-DBBD73973D13}">
+  <ds:schemaRefs>
+    <ds:schemaRef ds:uri="http://purl.org/dc/elements/1.1/"/>
+    <ds:schemaRef ds:uri="2414ff08-1f71-476b-8f21-c6c34e5e6921"/>
+    <ds:schemaRef ds:uri="http://schemas.microsoft.com/office/2006/documentManagement/types"/>
+    <ds:schemaRef ds:uri="http://www.w3.org/XML/1998/namespace"/>
+    <ds:schemaRef ds:uri="http://purl.org/dc/terms/"/>
+    <ds:schemaRef ds:uri="http://purl.org/dc/dcmitype/"/>
+    <ds:schemaRef ds:uri="http://schemas.microsoft.com/office/infopath/2007/PartnerControls"/>
+    <ds:schemaRef ds:uri="http://schemas.openxmlformats.org/package/2006/metadata/core-properties"/>
+    <ds:schemaRef ds:uri="http://schemas.microsoft.com/office/2006/metadata/properties"/>
+  </ds:schemaRefs>
+</ds:datastoreItem>
+</file>
+
+<file path=customXml/itemProps3.xml><?xml version="1.0" encoding="utf-8"?>
 <ds:datastoreItem xmlns:ds="http://schemas.openxmlformats.org/officeDocument/2006/customXml" ds:itemID="{BF8B202B-96E2-4662-945A-99ED1A879394}">
   <ds:schemaRefs>
     <ds:schemaRef ds:uri="http://schemas.microsoft.com/office/2006/metadata/contentType"/>
@@ -6895,20 +9204,4 @@
     <ds:schemaRef ds:uri="http://schemas.microsoft.com/internal/obd"/>
   </ds:schemaRefs>
 </ds:datastoreItem>
-</file>
-
-<file path=customXml/itemProps3.xml><?xml version="1.0" encoding="utf-8"?>
-<ds:datastoreItem xmlns:ds="http://schemas.openxmlformats.org/officeDocument/2006/customXml" ds:itemID="{D7F6FA08-4B24-4749-8A26-DBBD73973D13}">
-  <ds:schemaRefs>
-    <ds:schemaRef ds:uri="http://purl.org/dc/elements/1.1/"/>
-    <ds:schemaRef ds:uri="2414ff08-1f71-476b-8f21-c6c34e5e6921"/>
-    <ds:schemaRef ds:uri="http://schemas.microsoft.com/office/2006/documentManagement/types"/>
-    <ds:schemaRef ds:uri="http://www.w3.org/XML/1998/namespace"/>
-    <ds:schemaRef ds:uri="http://purl.org/dc/terms/"/>
-    <ds:schemaRef ds:uri="http://purl.org/dc/dcmitype/"/>
-    <ds:schemaRef ds:uri="http://schemas.microsoft.com/office/infopath/2007/PartnerControls"/>
-    <ds:schemaRef ds:uri="http://schemas.openxmlformats.org/package/2006/metadata/core-properties"/>
-    <ds:schemaRef ds:uri="http://schemas.microsoft.com/office/2006/metadata/properties"/>
-  </ds:schemaRefs>
-</ds:datastoreItem>
 </file>